--- a/figures/frontend overview.pptx
+++ b/figures/frontend overview.pptx
@@ -243,7 +243,7 @@
           <a:p>
             <a:fld id="{3A6FCD1E-D5D8-4CD6-BB0F-9A885F3200BF}" type="datetimeFigureOut">
               <a:rPr lang="fr-FR" smtClean="0"/>
-              <a:t>31/08/2016</a:t>
+              <a:t>23/09/2016</a:t>
             </a:fld>
             <a:endParaRPr lang="fr-FR"/>
           </a:p>
@@ -413,7 +413,7 @@
           <a:p>
             <a:fld id="{3A6FCD1E-D5D8-4CD6-BB0F-9A885F3200BF}" type="datetimeFigureOut">
               <a:rPr lang="fr-FR" smtClean="0"/>
-              <a:t>31/08/2016</a:t>
+              <a:t>23/09/2016</a:t>
             </a:fld>
             <a:endParaRPr lang="fr-FR"/>
           </a:p>
@@ -593,7 +593,7 @@
           <a:p>
             <a:fld id="{3A6FCD1E-D5D8-4CD6-BB0F-9A885F3200BF}" type="datetimeFigureOut">
               <a:rPr lang="fr-FR" smtClean="0"/>
-              <a:t>31/08/2016</a:t>
+              <a:t>23/09/2016</a:t>
             </a:fld>
             <a:endParaRPr lang="fr-FR"/>
           </a:p>
@@ -763,7 +763,7 @@
           <a:p>
             <a:fld id="{3A6FCD1E-D5D8-4CD6-BB0F-9A885F3200BF}" type="datetimeFigureOut">
               <a:rPr lang="fr-FR" smtClean="0"/>
-              <a:t>31/08/2016</a:t>
+              <a:t>23/09/2016</a:t>
             </a:fld>
             <a:endParaRPr lang="fr-FR"/>
           </a:p>
@@ -1009,7 +1009,7 @@
           <a:p>
             <a:fld id="{3A6FCD1E-D5D8-4CD6-BB0F-9A885F3200BF}" type="datetimeFigureOut">
               <a:rPr lang="fr-FR" smtClean="0"/>
-              <a:t>31/08/2016</a:t>
+              <a:t>23/09/2016</a:t>
             </a:fld>
             <a:endParaRPr lang="fr-FR"/>
           </a:p>
@@ -1241,7 +1241,7 @@
           <a:p>
             <a:fld id="{3A6FCD1E-D5D8-4CD6-BB0F-9A885F3200BF}" type="datetimeFigureOut">
               <a:rPr lang="fr-FR" smtClean="0"/>
-              <a:t>31/08/2016</a:t>
+              <a:t>23/09/2016</a:t>
             </a:fld>
             <a:endParaRPr lang="fr-FR"/>
           </a:p>
@@ -1608,7 +1608,7 @@
           <a:p>
             <a:fld id="{3A6FCD1E-D5D8-4CD6-BB0F-9A885F3200BF}" type="datetimeFigureOut">
               <a:rPr lang="fr-FR" smtClean="0"/>
-              <a:t>31/08/2016</a:t>
+              <a:t>23/09/2016</a:t>
             </a:fld>
             <a:endParaRPr lang="fr-FR"/>
           </a:p>
@@ -1726,7 +1726,7 @@
           <a:p>
             <a:fld id="{3A6FCD1E-D5D8-4CD6-BB0F-9A885F3200BF}" type="datetimeFigureOut">
               <a:rPr lang="fr-FR" smtClean="0"/>
-              <a:t>31/08/2016</a:t>
+              <a:t>23/09/2016</a:t>
             </a:fld>
             <a:endParaRPr lang="fr-FR"/>
           </a:p>
@@ -1821,7 +1821,7 @@
           <a:p>
             <a:fld id="{3A6FCD1E-D5D8-4CD6-BB0F-9A885F3200BF}" type="datetimeFigureOut">
               <a:rPr lang="fr-FR" smtClean="0"/>
-              <a:t>31/08/2016</a:t>
+              <a:t>23/09/2016</a:t>
             </a:fld>
             <a:endParaRPr lang="fr-FR"/>
           </a:p>
@@ -2098,7 +2098,7 @@
           <a:p>
             <a:fld id="{3A6FCD1E-D5D8-4CD6-BB0F-9A885F3200BF}" type="datetimeFigureOut">
               <a:rPr lang="fr-FR" smtClean="0"/>
-              <a:t>31/08/2016</a:t>
+              <a:t>23/09/2016</a:t>
             </a:fld>
             <a:endParaRPr lang="fr-FR"/>
           </a:p>
@@ -2351,7 +2351,7 @@
           <a:p>
             <a:fld id="{3A6FCD1E-D5D8-4CD6-BB0F-9A885F3200BF}" type="datetimeFigureOut">
               <a:rPr lang="fr-FR" smtClean="0"/>
-              <a:t>31/08/2016</a:t>
+              <a:t>23/09/2016</a:t>
             </a:fld>
             <a:endParaRPr lang="fr-FR"/>
           </a:p>
@@ -2564,7 +2564,7 @@
           <a:p>
             <a:fld id="{3A6FCD1E-D5D8-4CD6-BB0F-9A885F3200BF}" type="datetimeFigureOut">
               <a:rPr lang="fr-FR" smtClean="0"/>
-              <a:t>31/08/2016</a:t>
+              <a:t>23/09/2016</a:t>
             </a:fld>
             <a:endParaRPr lang="fr-FR"/>
           </a:p>
@@ -3899,16 +3899,16 @@
               <a:t> </a:t>
             </a:r>
             <a:r>
-              <a:rPr lang="fr-FR" sz="1000" b="0" smtClean="0">
-                <a:solidFill>
-                  <a:srgbClr val="000000"/>
-                </a:solidFill>
-                <a:highlight>
-                  <a:srgbClr val="FFFFFF"/>
-                </a:highlight>
-                <a:latin typeface="Courier New" panose="02070309020205020404" pitchFamily="49" charset="0"/>
-              </a:rPr>
-              <a:t>STATE_MACHINE</a:t>
+              <a:rPr lang="fr-FR" sz="1000" b="1" smtClean="0">
+                <a:solidFill>
+                  <a:srgbClr val="000000"/>
+                </a:solidFill>
+                <a:highlight>
+                  <a:srgbClr val="FFFFFF"/>
+                </a:highlight>
+                <a:latin typeface="Courier New" panose="02070309020205020404" pitchFamily="49" charset="0"/>
+              </a:rPr>
+              <a:t>state_machine</a:t>
             </a:r>
             <a:r>
               <a:rPr lang="fr-FR" sz="1000" b="1" smtClean="0">
@@ -3991,31 +3991,19 @@
                 </a:highlight>
                 <a:latin typeface="Courier New" panose="02070309020205020404" pitchFamily="49" charset="0"/>
               </a:rPr>
-              <a:t> </a:t>
-            </a:r>
-            <a:r>
-              <a:rPr lang="fr-FR" sz="1000" b="0" smtClean="0">
-                <a:solidFill>
-                  <a:srgbClr val="000000"/>
-                </a:solidFill>
-                <a:highlight>
-                  <a:srgbClr val="FFFFFF"/>
-                </a:highlight>
-                <a:latin typeface="Courier New" panose="02070309020205020404" pitchFamily="49" charset="0"/>
-              </a:rPr>
-              <a:t> </a:t>
-            </a:r>
-            <a:r>
-              <a:rPr lang="fr-FR" sz="1000" b="0" smtClean="0">
-                <a:solidFill>
-                  <a:srgbClr val="000000"/>
-                </a:solidFill>
-                <a:highlight>
-                  <a:srgbClr val="FFFFFF"/>
-                </a:highlight>
-                <a:latin typeface="Courier New" panose="02070309020205020404" pitchFamily="49" charset="0"/>
-              </a:rPr>
-              <a:t>INITIAL_STATE</a:t>
+              <a:t>  </a:t>
+            </a:r>
+            <a:r>
+              <a:rPr lang="fr-FR" sz="1000" b="1" smtClean="0">
+                <a:solidFill>
+                  <a:srgbClr val="000000"/>
+                </a:solidFill>
+                <a:highlight>
+                  <a:srgbClr val="FFFFFF"/>
+                </a:highlight>
+                <a:latin typeface="Courier New" panose="02070309020205020404" pitchFamily="49" charset="0"/>
+              </a:rPr>
+              <a:t>initial_state</a:t>
             </a:r>
             <a:r>
               <a:rPr lang="fr-FR" sz="1000" b="1" smtClean="0">
@@ -4103,9 +4091,6 @@
             </a:r>
             <a:r>
               <a:rPr lang="fr-FR" sz="1000" b="1" smtClean="0">
-                <a:solidFill>
-                  <a:srgbClr val="0000FF"/>
-                </a:solidFill>
                 <a:highlight>
                   <a:srgbClr val="FFFFFF"/>
                 </a:highlight>
@@ -4146,31 +4131,19 @@
                 </a:highlight>
                 <a:latin typeface="Courier New" panose="02070309020205020404" pitchFamily="49" charset="0"/>
               </a:rPr>
-              <a:t> </a:t>
-            </a:r>
-            <a:r>
-              <a:rPr lang="fr-FR" sz="1000" b="0" smtClean="0">
-                <a:solidFill>
-                  <a:srgbClr val="000000"/>
-                </a:solidFill>
-                <a:highlight>
-                  <a:srgbClr val="FFFFFF"/>
-                </a:highlight>
-                <a:latin typeface="Courier New" panose="02070309020205020404" pitchFamily="49" charset="0"/>
-              </a:rPr>
-              <a:t>  </a:t>
-            </a:r>
-            <a:r>
-              <a:rPr lang="fr-FR" sz="1000" b="0" smtClean="0">
-                <a:solidFill>
-                  <a:srgbClr val="000000"/>
-                </a:solidFill>
-                <a:highlight>
-                  <a:srgbClr val="FFFFFF"/>
-                </a:highlight>
-                <a:latin typeface="Courier New" panose="02070309020205020404" pitchFamily="49" charset="0"/>
-              </a:rPr>
-              <a:t>INITIAL</a:t>
+              <a:t>   </a:t>
+            </a:r>
+            <a:r>
+              <a:rPr lang="fr-FR" sz="1000" b="1" smtClean="0">
+                <a:solidFill>
+                  <a:srgbClr val="000000"/>
+                </a:solidFill>
+                <a:highlight>
+                  <a:srgbClr val="FFFFFF"/>
+                </a:highlight>
+                <a:latin typeface="Courier New" panose="02070309020205020404" pitchFamily="49" charset="0"/>
+              </a:rPr>
+              <a:t>initial</a:t>
             </a:r>
             <a:r>
               <a:rPr lang="fr-FR" sz="1000" b="1" smtClean="0">
@@ -4229,31 +4202,19 @@
                 </a:highlight>
                 <a:latin typeface="Courier New" panose="02070309020205020404" pitchFamily="49" charset="0"/>
               </a:rPr>
-              <a:t> </a:t>
-            </a:r>
-            <a:r>
-              <a:rPr lang="fr-FR" sz="1000" b="0" smtClean="0">
-                <a:solidFill>
-                  <a:srgbClr val="000000"/>
-                </a:solidFill>
-                <a:highlight>
-                  <a:srgbClr val="FFFFFF"/>
-                </a:highlight>
-                <a:latin typeface="Courier New" panose="02070309020205020404" pitchFamily="49" charset="0"/>
-              </a:rPr>
-              <a:t>  </a:t>
-            </a:r>
-            <a:r>
-              <a:rPr lang="fr-FR" sz="1000" b="0" smtClean="0">
-                <a:solidFill>
-                  <a:srgbClr val="000000"/>
-                </a:solidFill>
-                <a:highlight>
-                  <a:srgbClr val="FFFFFF"/>
-                </a:highlight>
-                <a:latin typeface="Courier New" panose="02070309020205020404" pitchFamily="49" charset="0"/>
-              </a:rPr>
-              <a:t>STATE</a:t>
+              <a:t>   </a:t>
+            </a:r>
+            <a:r>
+              <a:rPr lang="fr-FR" sz="1000" b="1" smtClean="0">
+                <a:solidFill>
+                  <a:srgbClr val="000000"/>
+                </a:solidFill>
+                <a:highlight>
+                  <a:srgbClr val="FFFFFF"/>
+                </a:highlight>
+                <a:latin typeface="Courier New" panose="02070309020205020404" pitchFamily="49" charset="0"/>
+              </a:rPr>
+              <a:t>state</a:t>
             </a:r>
             <a:r>
               <a:rPr lang="fr-FR" sz="1000" b="1" smtClean="0">
@@ -4384,31 +4345,19 @@
                 </a:highlight>
                 <a:latin typeface="Courier New" panose="02070309020205020404" pitchFamily="49" charset="0"/>
               </a:rPr>
-              <a:t> </a:t>
-            </a:r>
-            <a:r>
-              <a:rPr lang="fr-FR" sz="1000" b="0" smtClean="0">
-                <a:solidFill>
-                  <a:srgbClr val="000000"/>
-                </a:solidFill>
-                <a:highlight>
-                  <a:srgbClr val="FFFFFF"/>
-                </a:highlight>
-                <a:latin typeface="Courier New" panose="02070309020205020404" pitchFamily="49" charset="0"/>
-              </a:rPr>
-              <a:t>   </a:t>
-            </a:r>
-            <a:r>
-              <a:rPr lang="fr-FR" sz="1000" b="0" smtClean="0">
-                <a:solidFill>
-                  <a:srgbClr val="000000"/>
-                </a:solidFill>
-                <a:highlight>
-                  <a:srgbClr val="FFFFFF"/>
-                </a:highlight>
-                <a:latin typeface="Courier New" panose="02070309020205020404" pitchFamily="49" charset="0"/>
-              </a:rPr>
-              <a:t>STATE</a:t>
+              <a:t>    </a:t>
+            </a:r>
+            <a:r>
+              <a:rPr lang="fr-FR" sz="1000" b="1" smtClean="0">
+                <a:solidFill>
+                  <a:srgbClr val="000000"/>
+                </a:solidFill>
+                <a:highlight>
+                  <a:srgbClr val="FFFFFF"/>
+                </a:highlight>
+                <a:latin typeface="Courier New" panose="02070309020205020404" pitchFamily="49" charset="0"/>
+              </a:rPr>
+              <a:t>state</a:t>
             </a:r>
             <a:r>
               <a:rPr lang="fr-FR" sz="1000" b="1" smtClean="0">
@@ -4515,31 +4464,7 @@
                 </a:highlight>
                 <a:latin typeface="Courier New" panose="02070309020205020404" pitchFamily="49" charset="0"/>
               </a:rPr>
-              <a:t> </a:t>
-            </a:r>
-            <a:r>
-              <a:rPr lang="fr-FR" sz="1000" b="1" smtClean="0">
-                <a:solidFill>
-                  <a:srgbClr val="000080"/>
-                </a:solidFill>
-                <a:highlight>
-                  <a:srgbClr val="FFFFFF"/>
-                </a:highlight>
-                <a:latin typeface="Courier New" panose="02070309020205020404" pitchFamily="49" charset="0"/>
-              </a:rPr>
-              <a:t>  </a:t>
-            </a:r>
-            <a:r>
-              <a:rPr lang="fr-FR" sz="1000" b="1" smtClean="0">
-                <a:solidFill>
-                  <a:srgbClr val="000080"/>
-                </a:solidFill>
-                <a:highlight>
-                  <a:srgbClr val="FFFFFF"/>
-                </a:highlight>
-                <a:latin typeface="Courier New" panose="02070309020205020404" pitchFamily="49" charset="0"/>
-              </a:rPr>
-              <a:t>};</a:t>
+              <a:t>   };</a:t>
             </a:r>
             <a:endParaRPr lang="fr-FR" sz="1000" b="0" smtClean="0">
               <a:solidFill>
@@ -4562,31 +4487,19 @@
                 </a:highlight>
                 <a:latin typeface="Courier New" panose="02070309020205020404" pitchFamily="49" charset="0"/>
               </a:rPr>
-              <a:t> </a:t>
-            </a:r>
-            <a:r>
-              <a:rPr lang="fr-FR" sz="1000" b="0" smtClean="0">
-                <a:solidFill>
-                  <a:srgbClr val="000000"/>
-                </a:solidFill>
-                <a:highlight>
-                  <a:srgbClr val="FFFFFF"/>
-                </a:highlight>
-                <a:latin typeface="Courier New" panose="02070309020205020404" pitchFamily="49" charset="0"/>
-              </a:rPr>
-              <a:t>  </a:t>
-            </a:r>
-            <a:r>
-              <a:rPr lang="fr-FR" sz="1000" b="0" smtClean="0">
-                <a:solidFill>
-                  <a:srgbClr val="000000"/>
-                </a:solidFill>
-                <a:highlight>
-                  <a:srgbClr val="FFFFFF"/>
-                </a:highlight>
-                <a:latin typeface="Courier New" panose="02070309020205020404" pitchFamily="49" charset="0"/>
-              </a:rPr>
-              <a:t>CHOICE</a:t>
+              <a:t>   </a:t>
+            </a:r>
+            <a:r>
+              <a:rPr lang="fr-FR" sz="1000" b="1" smtClean="0">
+                <a:solidFill>
+                  <a:srgbClr val="000000"/>
+                </a:solidFill>
+                <a:highlight>
+                  <a:srgbClr val="FFFFFF"/>
+                </a:highlight>
+                <a:latin typeface="Courier New" panose="02070309020205020404" pitchFamily="49" charset="0"/>
+              </a:rPr>
+              <a:t>choice</a:t>
             </a:r>
             <a:r>
               <a:rPr lang="fr-FR" sz="1000" b="1" smtClean="0">
@@ -4645,31 +4558,19 @@
                 </a:highlight>
                 <a:latin typeface="Courier New" panose="02070309020205020404" pitchFamily="49" charset="0"/>
               </a:rPr>
-              <a:t> </a:t>
-            </a:r>
-            <a:r>
-              <a:rPr lang="fr-FR" sz="1000" b="0" smtClean="0">
-                <a:solidFill>
-                  <a:srgbClr val="000000"/>
-                </a:solidFill>
-                <a:highlight>
-                  <a:srgbClr val="FFFFFF"/>
-                </a:highlight>
-                <a:latin typeface="Courier New" panose="02070309020205020404" pitchFamily="49" charset="0"/>
-              </a:rPr>
-              <a:t>  </a:t>
-            </a:r>
-            <a:r>
-              <a:rPr lang="fr-FR" sz="1000" b="0" smtClean="0">
-                <a:solidFill>
-                  <a:srgbClr val="000000"/>
-                </a:solidFill>
-                <a:highlight>
-                  <a:srgbClr val="FFFFFF"/>
-                </a:highlight>
-                <a:latin typeface="Courier New" panose="02070309020205020404" pitchFamily="49" charset="0"/>
-              </a:rPr>
-              <a:t>EXIT_POINT</a:t>
+              <a:t>   </a:t>
+            </a:r>
+            <a:r>
+              <a:rPr lang="fr-FR" sz="1000" b="1" smtClean="0">
+                <a:solidFill>
+                  <a:srgbClr val="000000"/>
+                </a:solidFill>
+                <a:highlight>
+                  <a:srgbClr val="FFFFFF"/>
+                </a:highlight>
+                <a:latin typeface="Courier New" panose="02070309020205020404" pitchFamily="49" charset="0"/>
+              </a:rPr>
+              <a:t>exit_point</a:t>
             </a:r>
             <a:r>
               <a:rPr lang="fr-FR" sz="1000" b="1" smtClean="0">
@@ -4728,31 +4629,7 @@
                 </a:highlight>
                 <a:latin typeface="Courier New" panose="02070309020205020404" pitchFamily="49" charset="0"/>
               </a:rPr>
-              <a:t> </a:t>
-            </a:r>
-            <a:r>
-              <a:rPr lang="fr-FR" sz="1000" b="1" smtClean="0">
-                <a:solidFill>
-                  <a:srgbClr val="000080"/>
-                </a:solidFill>
-                <a:highlight>
-                  <a:srgbClr val="FFFFFF"/>
-                </a:highlight>
-                <a:latin typeface="Courier New" panose="02070309020205020404" pitchFamily="49" charset="0"/>
-              </a:rPr>
-              <a:t> </a:t>
-            </a:r>
-            <a:r>
-              <a:rPr lang="fr-FR" sz="1000" b="1" smtClean="0">
-                <a:solidFill>
-                  <a:srgbClr val="000080"/>
-                </a:solidFill>
-                <a:highlight>
-                  <a:srgbClr val="FFFFFF"/>
-                </a:highlight>
-                <a:latin typeface="Courier New" panose="02070309020205020404" pitchFamily="49" charset="0"/>
-              </a:rPr>
-              <a:t>};</a:t>
+              <a:t>  };</a:t>
             </a:r>
             <a:endParaRPr lang="fr-FR" sz="1000" b="0" smtClean="0">
               <a:solidFill>
@@ -4775,31 +4652,19 @@
                 </a:highlight>
                 <a:latin typeface="Courier New" panose="02070309020205020404" pitchFamily="49" charset="0"/>
               </a:rPr>
-              <a:t> </a:t>
-            </a:r>
-            <a:r>
-              <a:rPr lang="fr-FR" sz="1000" b="0" smtClean="0">
-                <a:solidFill>
-                  <a:srgbClr val="000000"/>
-                </a:solidFill>
-                <a:highlight>
-                  <a:srgbClr val="FFFFFF"/>
-                </a:highlight>
-                <a:latin typeface="Courier New" panose="02070309020205020404" pitchFamily="49" charset="0"/>
-              </a:rPr>
-              <a:t> </a:t>
-            </a:r>
-            <a:r>
-              <a:rPr lang="fr-FR" sz="1000" b="0" smtClean="0">
-                <a:solidFill>
-                  <a:srgbClr val="000000"/>
-                </a:solidFill>
-                <a:highlight>
-                  <a:srgbClr val="FFFFFF"/>
-                </a:highlight>
-                <a:latin typeface="Courier New" panose="02070309020205020404" pitchFamily="49" charset="0"/>
-              </a:rPr>
-              <a:t>STATE</a:t>
+              <a:t>  </a:t>
+            </a:r>
+            <a:r>
+              <a:rPr lang="fr-FR" sz="1000" b="1" smtClean="0">
+                <a:solidFill>
+                  <a:srgbClr val="000000"/>
+                </a:solidFill>
+                <a:highlight>
+                  <a:srgbClr val="FFFFFF"/>
+                </a:highlight>
+                <a:latin typeface="Courier New" panose="02070309020205020404" pitchFamily="49" charset="0"/>
+              </a:rPr>
+              <a:t>state</a:t>
             </a:r>
             <a:r>
               <a:rPr lang="fr-FR" sz="1000" b="1" smtClean="0">
@@ -4930,31 +4795,19 @@
                 </a:highlight>
                 <a:latin typeface="Courier New" panose="02070309020205020404" pitchFamily="49" charset="0"/>
               </a:rPr>
-              <a:t> </a:t>
-            </a:r>
-            <a:r>
-              <a:rPr lang="fr-FR" sz="1000" b="0" smtClean="0">
-                <a:solidFill>
-                  <a:srgbClr val="000000"/>
-                </a:solidFill>
-                <a:highlight>
-                  <a:srgbClr val="FFFFFF"/>
-                </a:highlight>
-                <a:latin typeface="Courier New" panose="02070309020205020404" pitchFamily="49" charset="0"/>
-              </a:rPr>
-              <a:t>  </a:t>
-            </a:r>
-            <a:r>
-              <a:rPr lang="fr-FR" sz="1000" b="0" smtClean="0">
-                <a:solidFill>
-                  <a:srgbClr val="000000"/>
-                </a:solidFill>
-                <a:highlight>
-                  <a:srgbClr val="FFFFFF"/>
-                </a:highlight>
-                <a:latin typeface="Courier New" panose="02070309020205020404" pitchFamily="49" charset="0"/>
-              </a:rPr>
-              <a:t>SHALLOW_HISTORY</a:t>
+              <a:t>   </a:t>
+            </a:r>
+            <a:r>
+              <a:rPr lang="fr-FR" sz="1000" b="1" smtClean="0">
+                <a:solidFill>
+                  <a:srgbClr val="000000"/>
+                </a:solidFill>
+                <a:highlight>
+                  <a:srgbClr val="FFFFFF"/>
+                </a:highlight>
+                <a:latin typeface="Courier New" panose="02070309020205020404" pitchFamily="49" charset="0"/>
+              </a:rPr>
+              <a:t>shallow_history</a:t>
             </a:r>
             <a:r>
               <a:rPr lang="fr-FR" sz="1000" b="1" smtClean="0">
@@ -5013,31 +4866,19 @@
                 </a:highlight>
                 <a:latin typeface="Courier New" panose="02070309020205020404" pitchFamily="49" charset="0"/>
               </a:rPr>
-              <a:t>  </a:t>
-            </a:r>
-            <a:r>
-              <a:rPr lang="fr-FR" sz="1000" b="0" smtClean="0">
-                <a:solidFill>
-                  <a:srgbClr val="000000"/>
-                </a:solidFill>
-                <a:highlight>
-                  <a:srgbClr val="FFFFFF"/>
-                </a:highlight>
-                <a:latin typeface="Courier New" panose="02070309020205020404" pitchFamily="49" charset="0"/>
-              </a:rPr>
-              <a:t> </a:t>
-            </a:r>
-            <a:r>
-              <a:rPr lang="fr-FR" sz="1000" b="0" smtClean="0">
-                <a:solidFill>
-                  <a:srgbClr val="000000"/>
-                </a:solidFill>
-                <a:highlight>
-                  <a:srgbClr val="FFFFFF"/>
-                </a:highlight>
-                <a:latin typeface="Courier New" panose="02070309020205020404" pitchFamily="49" charset="0"/>
-              </a:rPr>
-              <a:t>STATE</a:t>
+              <a:t>   </a:t>
+            </a:r>
+            <a:r>
+              <a:rPr lang="fr-FR" sz="1000" b="1" smtClean="0">
+                <a:solidFill>
+                  <a:srgbClr val="000000"/>
+                </a:solidFill>
+                <a:highlight>
+                  <a:srgbClr val="FFFFFF"/>
+                </a:highlight>
+                <a:latin typeface="Courier New" panose="02070309020205020404" pitchFamily="49" charset="0"/>
+              </a:rPr>
+              <a:t>state</a:t>
             </a:r>
             <a:r>
               <a:rPr lang="fr-FR" sz="1000" b="1" smtClean="0">
@@ -5144,31 +4985,19 @@
                 </a:highlight>
                 <a:latin typeface="Courier New" panose="02070309020205020404" pitchFamily="49" charset="0"/>
               </a:rPr>
-              <a:t>  </a:t>
-            </a:r>
-            <a:r>
-              <a:rPr lang="fr-FR" sz="1000" b="0" smtClean="0">
-                <a:solidFill>
-                  <a:srgbClr val="000000"/>
-                </a:solidFill>
-                <a:highlight>
-                  <a:srgbClr val="FFFFFF"/>
-                </a:highlight>
-                <a:latin typeface="Courier New" panose="02070309020205020404" pitchFamily="49" charset="0"/>
-              </a:rPr>
-              <a:t> </a:t>
-            </a:r>
-            <a:r>
-              <a:rPr lang="fr-FR" sz="1000" b="0" smtClean="0">
-                <a:solidFill>
-                  <a:srgbClr val="000000"/>
-                </a:solidFill>
-                <a:highlight>
-                  <a:srgbClr val="FFFFFF"/>
-                </a:highlight>
-                <a:latin typeface="Courier New" panose="02070309020205020404" pitchFamily="49" charset="0"/>
-              </a:rPr>
-              <a:t>FINAL_STATE</a:t>
+              <a:t>   </a:t>
+            </a:r>
+            <a:r>
+              <a:rPr lang="fr-FR" sz="1000" b="1" smtClean="0">
+                <a:solidFill>
+                  <a:srgbClr val="000000"/>
+                </a:solidFill>
+                <a:highlight>
+                  <a:srgbClr val="FFFFFF"/>
+                </a:highlight>
+                <a:latin typeface="Courier New" panose="02070309020205020404" pitchFamily="49" charset="0"/>
+              </a:rPr>
+              <a:t>final_state</a:t>
             </a:r>
             <a:r>
               <a:rPr lang="fr-FR" sz="1000" b="1" smtClean="0">
@@ -5227,19 +5056,7 @@
                 </a:highlight>
                 <a:latin typeface="Courier New" panose="02070309020205020404" pitchFamily="49" charset="0"/>
               </a:rPr>
-              <a:t>  </a:t>
-            </a:r>
-            <a:r>
-              <a:rPr lang="fr-FR" sz="1000" b="1" smtClean="0">
-                <a:solidFill>
-                  <a:srgbClr val="000080"/>
-                </a:solidFill>
-                <a:highlight>
-                  <a:srgbClr val="FFFFFF"/>
-                </a:highlight>
-                <a:latin typeface="Courier New" panose="02070309020205020404" pitchFamily="49" charset="0"/>
-              </a:rPr>
-              <a:t>};</a:t>
+              <a:t>  };</a:t>
             </a:r>
             <a:endParaRPr lang="fr-FR" sz="1000" b="0" smtClean="0">
               <a:solidFill>
@@ -5265,16 +5082,16 @@
               <a:t>  </a:t>
             </a:r>
             <a:r>
-              <a:rPr lang="fr-FR" sz="1000" b="0" smtClean="0">
-                <a:solidFill>
-                  <a:srgbClr val="000000"/>
-                </a:solidFill>
-                <a:highlight>
-                  <a:srgbClr val="FFFFFF"/>
-                </a:highlight>
-                <a:latin typeface="Courier New" panose="02070309020205020404" pitchFamily="49" charset="0"/>
-              </a:rPr>
-              <a:t>STATE</a:t>
+              <a:rPr lang="fr-FR" sz="1000" b="1" smtClean="0">
+                <a:solidFill>
+                  <a:srgbClr val="000000"/>
+                </a:solidFill>
+                <a:highlight>
+                  <a:srgbClr val="FFFFFF"/>
+                </a:highlight>
+                <a:latin typeface="Courier New" panose="02070309020205020404" pitchFamily="49" charset="0"/>
+              </a:rPr>
+              <a:t>state</a:t>
             </a:r>
             <a:r>
               <a:rPr lang="fr-FR" sz="1000" b="1" smtClean="0">
@@ -5384,16 +5201,16 @@
               <a:t>  </a:t>
             </a:r>
             <a:r>
-              <a:rPr lang="fr-FR" sz="1000" b="0" smtClean="0">
-                <a:solidFill>
-                  <a:srgbClr val="000000"/>
-                </a:solidFill>
-                <a:highlight>
-                  <a:srgbClr val="FFFFFF"/>
-                </a:highlight>
-                <a:latin typeface="Courier New" panose="02070309020205020404" pitchFamily="49" charset="0"/>
-              </a:rPr>
-              <a:t>FINAL_STATE</a:t>
+              <a:rPr lang="fr-FR" sz="1000" b="1" smtClean="0">
+                <a:solidFill>
+                  <a:srgbClr val="000000"/>
+                </a:solidFill>
+                <a:highlight>
+                  <a:srgbClr val="FFFFFF"/>
+                </a:highlight>
+                <a:latin typeface="Courier New" panose="02070309020205020404" pitchFamily="49" charset="0"/>
+              </a:rPr>
+              <a:t>final_state</a:t>
             </a:r>
             <a:r>
               <a:rPr lang="fr-FR" sz="1000" b="1" smtClean="0">
@@ -5452,95 +5269,59 @@
                 </a:highlight>
                 <a:latin typeface="Courier New" panose="02070309020205020404" pitchFamily="49" charset="0"/>
               </a:rPr>
+              <a:t>  //Event table definitions</a:t>
+            </a:r>
+          </a:p>
+          <a:p>
+            <a:r>
+              <a:rPr lang="fr-FR" sz="1000" b="0" smtClean="0">
+                <a:solidFill>
+                  <a:srgbClr val="008000"/>
+                </a:solidFill>
+                <a:highlight>
+                  <a:srgbClr val="FFFFFF"/>
+                </a:highlight>
+                <a:latin typeface="Courier New" panose="02070309020205020404" pitchFamily="49" charset="0"/>
+              </a:rPr>
+              <a:t>  //Transition table</a:t>
+            </a:r>
+          </a:p>
+          <a:p>
+            <a:r>
+              <a:rPr lang="fr-FR" sz="1000" b="0" smtClean="0">
+                <a:solidFill>
+                  <a:srgbClr val="000000"/>
+                </a:solidFill>
+                <a:highlight>
+                  <a:srgbClr val="FFFFFF"/>
+                </a:highlight>
+                <a:latin typeface="Courier New" panose="02070309020205020404" pitchFamily="49" charset="0"/>
+              </a:rPr>
               <a:t>  </a:t>
             </a:r>
             <a:r>
-              <a:rPr lang="fr-FR" sz="1000" b="0" smtClean="0">
-                <a:solidFill>
-                  <a:srgbClr val="008000"/>
-                </a:solidFill>
-                <a:highlight>
-                  <a:srgbClr val="FFFFFF"/>
-                </a:highlight>
-                <a:latin typeface="Courier New" panose="02070309020205020404" pitchFamily="49" charset="0"/>
-              </a:rPr>
-              <a:t>//</a:t>
-            </a:r>
-            <a:r>
-              <a:rPr lang="fr-FR" sz="1000" b="0" smtClean="0">
-                <a:solidFill>
-                  <a:srgbClr val="008000"/>
-                </a:solidFill>
-                <a:highlight>
-                  <a:srgbClr val="FFFFFF"/>
-                </a:highlight>
-                <a:latin typeface="Courier New" panose="02070309020205020404" pitchFamily="49" charset="0"/>
-              </a:rPr>
-              <a:t>Event table definitions</a:t>
-            </a:r>
-          </a:p>
-          <a:p>
-            <a:r>
-              <a:rPr lang="fr-FR" sz="1000" b="0" smtClean="0">
-                <a:solidFill>
-                  <a:srgbClr val="008000"/>
-                </a:solidFill>
-                <a:highlight>
-                  <a:srgbClr val="FFFFFF"/>
-                </a:highlight>
-                <a:latin typeface="Courier New" panose="02070309020205020404" pitchFamily="49" charset="0"/>
-              </a:rPr>
-              <a:t>  </a:t>
-            </a:r>
-            <a:r>
-              <a:rPr lang="fr-FR" sz="1000" b="0" smtClean="0">
-                <a:solidFill>
-                  <a:srgbClr val="008000"/>
-                </a:solidFill>
-                <a:highlight>
-                  <a:srgbClr val="FFFFFF"/>
-                </a:highlight>
-                <a:latin typeface="Courier New" panose="02070309020205020404" pitchFamily="49" charset="0"/>
-              </a:rPr>
-              <a:t>//</a:t>
-            </a:r>
-            <a:r>
-              <a:rPr lang="fr-FR" sz="1000" b="0" smtClean="0">
-                <a:solidFill>
-                  <a:srgbClr val="008000"/>
-                </a:solidFill>
-                <a:highlight>
-                  <a:srgbClr val="FFFFFF"/>
-                </a:highlight>
-                <a:latin typeface="Courier New" panose="02070309020205020404" pitchFamily="49" charset="0"/>
-              </a:rPr>
-              <a:t>Transition table</a:t>
-            </a:r>
-          </a:p>
-          <a:p>
-            <a:r>
-              <a:rPr lang="fr-FR" sz="1000" b="0" smtClean="0">
-                <a:solidFill>
-                  <a:srgbClr val="000000"/>
-                </a:solidFill>
-                <a:highlight>
-                  <a:srgbClr val="FFFFFF"/>
-                </a:highlight>
-                <a:latin typeface="Courier New" panose="02070309020205020404" pitchFamily="49" charset="0"/>
-              </a:rPr>
-              <a:t>  </a:t>
-            </a:r>
-            <a:r>
-              <a:rPr lang="fr-FR" sz="1000" b="0" smtClean="0">
-                <a:solidFill>
-                  <a:srgbClr val="000000"/>
-                </a:solidFill>
-                <a:highlight>
-                  <a:srgbClr val="FFFFFF"/>
-                </a:highlight>
-                <a:latin typeface="Courier New" panose="02070309020205020404" pitchFamily="49" charset="0"/>
-              </a:rPr>
-              <a:t>TRANSITION_TABLE </a:t>
+              <a:rPr lang="fr-FR" sz="1000" b="1" smtClean="0">
+                <a:solidFill>
+                  <a:srgbClr val="000000"/>
+                </a:solidFill>
+                <a:highlight>
+                  <a:srgbClr val="FFFFFF"/>
+                </a:highlight>
+                <a:latin typeface="Courier New" panose="02070309020205020404" pitchFamily="49" charset="0"/>
+              </a:rPr>
+              <a:t>transition_table</a:t>
+            </a:r>
+            <a:r>
+              <a:rPr lang="fr-FR" sz="1000" b="0" smtClean="0">
+                <a:solidFill>
+                  <a:srgbClr val="000000"/>
+                </a:solidFill>
+                <a:highlight>
+                  <a:srgbClr val="FFFFFF"/>
+                </a:highlight>
+                <a:latin typeface="Courier New" panose="02070309020205020404" pitchFamily="49" charset="0"/>
+              </a:rPr>
+              <a:t> </a:t>
             </a:r>
             <a:r>
               <a:rPr lang="fr-FR" sz="1000" b="1" smtClean="0">
@@ -5575,7 +5356,31 @@
                 </a:highlight>
                 <a:latin typeface="Courier New" panose="02070309020205020404" pitchFamily="49" charset="0"/>
               </a:rPr>
-              <a:t>  </a:t>
+              <a:t>   </a:t>
+            </a:r>
+            <a:r>
+              <a:rPr lang="en-US" sz="1000" b="1" smtClean="0">
+                <a:solidFill>
+                  <a:srgbClr val="000000"/>
+                </a:solidFill>
+                <a:highlight>
+                  <a:srgbClr val="FFFFFF"/>
+                </a:highlight>
+                <a:latin typeface="Courier New" panose="02070309020205020404" pitchFamily="49" charset="0"/>
+              </a:rPr>
+              <a:t>transition</a:t>
+            </a:r>
+            <a:r>
+              <a:rPr lang="en-US" sz="1000" b="1" smtClean="0">
+                <a:solidFill>
+                  <a:srgbClr val="000080"/>
+                </a:solidFill>
+                <a:highlight>
+                  <a:srgbClr val="FFFFFF"/>
+                </a:highlight>
+                <a:latin typeface="Courier New" panose="02070309020205020404" pitchFamily="49" charset="0"/>
+              </a:rPr>
+              <a:t>(</a:t>
             </a:r>
             <a:r>
               <a:rPr lang="en-US" sz="1000" b="0" smtClean="0">
@@ -5587,7 +5392,19 @@
                 </a:highlight>
                 <a:latin typeface="Courier New" panose="02070309020205020404" pitchFamily="49" charset="0"/>
               </a:rPr>
-              <a:t> </a:t>
+              <a:t>S111</a:t>
+            </a:r>
+            <a:r>
+              <a:rPr lang="en-US" sz="1000" b="1" smtClean="0">
+                <a:solidFill>
+                  <a:srgbClr val="000080"/>
+                </a:solidFill>
+                <a:highlight>
+                  <a:srgbClr val="FFFFFF"/>
+                </a:highlight>
+                <a:latin typeface="Courier New" panose="02070309020205020404" pitchFamily="49" charset="0"/>
+              </a:rPr>
+              <a:t>,</a:t>
             </a:r>
             <a:r>
               <a:rPr lang="en-US" sz="1000" b="0" smtClean="0">
@@ -5599,7 +5416,7 @@
                 </a:highlight>
                 <a:latin typeface="Courier New" panose="02070309020205020404" pitchFamily="49" charset="0"/>
               </a:rPr>
-              <a:t>TRANSITION</a:t>
+              <a:t>c1</a:t>
             </a:r>
             <a:r>
               <a:rPr lang="en-US" sz="1000" b="1" smtClean="0">
@@ -5611,115 +5428,16 @@
                 </a:highlight>
                 <a:latin typeface="Courier New" panose="02070309020205020404" pitchFamily="49" charset="0"/>
               </a:rPr>
-              <a:t>(</a:t>
-            </a:r>
-            <a:r>
-              <a:rPr lang="en-US" sz="1000" b="0" smtClean="0">
-                <a:solidFill>
-                  <a:srgbClr val="000000"/>
-                </a:solidFill>
-                <a:highlight>
-                  <a:srgbClr val="FFFFFF"/>
-                </a:highlight>
-                <a:latin typeface="Courier New" panose="02070309020205020404" pitchFamily="49" charset="0"/>
-              </a:rPr>
-              <a:t>S111</a:t>
+              <a:t>,</a:t>
             </a:r>
             <a:r>
               <a:rPr lang="en-US" sz="1000" b="1" smtClean="0">
-                <a:solidFill>
-                  <a:srgbClr val="000080"/>
-                </a:solidFill>
-                <a:highlight>
-                  <a:srgbClr val="FFFFFF"/>
-                </a:highlight>
-                <a:latin typeface="Courier New" panose="02070309020205020404" pitchFamily="49" charset="0"/>
-              </a:rPr>
-              <a:t>,</a:t>
-            </a:r>
-            <a:r>
-              <a:rPr lang="en-US" sz="1000" b="0" smtClean="0">
-                <a:solidFill>
-                  <a:srgbClr val="000000"/>
-                </a:solidFill>
-                <a:highlight>
-                  <a:srgbClr val="FFFFFF"/>
-                </a:highlight>
-                <a:latin typeface="Courier New" panose="02070309020205020404" pitchFamily="49" charset="0"/>
-              </a:rPr>
-              <a:t>c1</a:t>
-            </a:r>
-            <a:r>
-              <a:rPr lang="en-US" sz="1000" b="1" smtClean="0">
-                <a:solidFill>
-                  <a:srgbClr val="000080"/>
-                </a:solidFill>
-                <a:highlight>
-                  <a:srgbClr val="FFFFFF"/>
-                </a:highlight>
-                <a:latin typeface="Courier New" panose="02070309020205020404" pitchFamily="49" charset="0"/>
-              </a:rPr>
-              <a:t>,</a:t>
-            </a:r>
-            <a:r>
-              <a:rPr lang="en-US" sz="1000" b="1" smtClean="0">
-                <a:solidFill>
-                  <a:srgbClr val="0000FF"/>
-                </a:solidFill>
-                <a:highlight>
-                  <a:srgbClr val="FFFFFF"/>
-                </a:highlight>
-                <a:latin typeface="Courier New" panose="02070309020205020404" pitchFamily="49" charset="0"/>
-              </a:rPr>
-              <a:t>NULL</a:t>
-            </a:r>
-            <a:r>
-              <a:rPr lang="en-US" sz="1000" b="1" smtClean="0">
-                <a:solidFill>
-                  <a:srgbClr val="000080"/>
-                </a:solidFill>
-                <a:highlight>
-                  <a:srgbClr val="FFFFFF"/>
-                </a:highlight>
-                <a:latin typeface="Courier New" panose="02070309020205020404" pitchFamily="49" charset="0"/>
-              </a:rPr>
-              <a:t>,</a:t>
-            </a:r>
-            <a:r>
-              <a:rPr lang="en-US" sz="1000" b="1" smtClean="0">
-                <a:solidFill>
-                  <a:srgbClr val="0000FF"/>
-                </a:solidFill>
-                <a:highlight>
-                  <a:srgbClr val="FFFFFF"/>
-                </a:highlight>
-                <a:latin typeface="Courier New" panose="02070309020205020404" pitchFamily="49" charset="0"/>
-              </a:rPr>
-              <a:t>NULL</a:t>
-            </a:r>
-            <a:r>
-              <a:rPr lang="en-US" sz="1000" b="1" smtClean="0">
-                <a:solidFill>
-                  <a:srgbClr val="000080"/>
-                </a:solidFill>
-                <a:highlight>
-                  <a:srgbClr val="FFFFFF"/>
-                </a:highlight>
-                <a:latin typeface="Courier New" panose="02070309020205020404" pitchFamily="49" charset="0"/>
-              </a:rPr>
-              <a:t>,</a:t>
-            </a:r>
-            <a:r>
-              <a:rPr lang="en-US" sz="1000" b="1" smtClean="0">
-                <a:solidFill>
-                  <a:srgbClr val="0000FF"/>
-                </a:solidFill>
-                <a:highlight>
-                  <a:srgbClr val="FFFFFF"/>
-                </a:highlight>
-                <a:latin typeface="Courier New" panose="02070309020205020404" pitchFamily="49" charset="0"/>
-              </a:rPr>
-              <a:t>NULL</a:t>
+                <a:highlight>
+                  <a:srgbClr val="FFFFFF"/>
+                </a:highlight>
+                <a:latin typeface="Courier New" panose="02070309020205020404" pitchFamily="49" charset="0"/>
+              </a:rPr>
+              <a:t>NULL,NULL,NULL</a:t>
             </a:r>
             <a:r>
               <a:rPr lang="en-US" sz="1000" b="1" smtClean="0">
@@ -5754,7 +5472,31 @@
                 </a:highlight>
                 <a:latin typeface="Courier New" panose="02070309020205020404" pitchFamily="49" charset="0"/>
               </a:rPr>
-              <a:t>  </a:t>
+              <a:t>   </a:t>
+            </a:r>
+            <a:r>
+              <a:rPr lang="it-IT" sz="1000" b="1" smtClean="0">
+                <a:solidFill>
+                  <a:srgbClr val="000000"/>
+                </a:solidFill>
+                <a:highlight>
+                  <a:srgbClr val="FFFFFF"/>
+                </a:highlight>
+                <a:latin typeface="Courier New" panose="02070309020205020404" pitchFamily="49" charset="0"/>
+              </a:rPr>
+              <a:t>transition</a:t>
+            </a:r>
+            <a:r>
+              <a:rPr lang="it-IT" sz="1000" b="1" smtClean="0">
+                <a:solidFill>
+                  <a:srgbClr val="000080"/>
+                </a:solidFill>
+                <a:highlight>
+                  <a:srgbClr val="FFFFFF"/>
+                </a:highlight>
+                <a:latin typeface="Courier New" panose="02070309020205020404" pitchFamily="49" charset="0"/>
+              </a:rPr>
+              <a:t>(</a:t>
             </a:r>
             <a:r>
               <a:rPr lang="it-IT" sz="1000" b="0" smtClean="0">
@@ -5766,7 +5508,19 @@
                 </a:highlight>
                 <a:latin typeface="Courier New" panose="02070309020205020404" pitchFamily="49" charset="0"/>
               </a:rPr>
-              <a:t> </a:t>
+              <a:t>c1</a:t>
+            </a:r>
+            <a:r>
+              <a:rPr lang="it-IT" sz="1000" b="1" smtClean="0">
+                <a:solidFill>
+                  <a:srgbClr val="000080"/>
+                </a:solidFill>
+                <a:highlight>
+                  <a:srgbClr val="FFFFFF"/>
+                </a:highlight>
+                <a:latin typeface="Courier New" panose="02070309020205020404" pitchFamily="49" charset="0"/>
+              </a:rPr>
+              <a:t>,</a:t>
             </a:r>
             <a:r>
               <a:rPr lang="it-IT" sz="1000" b="0" smtClean="0">
@@ -5778,7 +5532,7 @@
                 </a:highlight>
                 <a:latin typeface="Courier New" panose="02070309020205020404" pitchFamily="49" charset="0"/>
               </a:rPr>
-              <a:t>TRANSITION</a:t>
+              <a:t>ex1</a:t>
             </a:r>
             <a:r>
               <a:rPr lang="it-IT" sz="1000" b="1" smtClean="0">
@@ -5790,115 +5544,16 @@
                 </a:highlight>
                 <a:latin typeface="Courier New" panose="02070309020205020404" pitchFamily="49" charset="0"/>
               </a:rPr>
-              <a:t>(</a:t>
-            </a:r>
-            <a:r>
-              <a:rPr lang="it-IT" sz="1000" b="0" smtClean="0">
-                <a:solidFill>
-                  <a:srgbClr val="000000"/>
-                </a:solidFill>
-                <a:highlight>
-                  <a:srgbClr val="FFFFFF"/>
-                </a:highlight>
-                <a:latin typeface="Courier New" panose="02070309020205020404" pitchFamily="49" charset="0"/>
-              </a:rPr>
-              <a:t>c1</a:t>
+              <a:t>,</a:t>
             </a:r>
             <a:r>
               <a:rPr lang="it-IT" sz="1000" b="1" smtClean="0">
-                <a:solidFill>
-                  <a:srgbClr val="000080"/>
-                </a:solidFill>
-                <a:highlight>
-                  <a:srgbClr val="FFFFFF"/>
-                </a:highlight>
-                <a:latin typeface="Courier New" panose="02070309020205020404" pitchFamily="49" charset="0"/>
-              </a:rPr>
-              <a:t>,</a:t>
-            </a:r>
-            <a:r>
-              <a:rPr lang="it-IT" sz="1000" b="0" smtClean="0">
-                <a:solidFill>
-                  <a:srgbClr val="000000"/>
-                </a:solidFill>
-                <a:highlight>
-                  <a:srgbClr val="FFFFFF"/>
-                </a:highlight>
-                <a:latin typeface="Courier New" panose="02070309020205020404" pitchFamily="49" charset="0"/>
-              </a:rPr>
-              <a:t>ex1</a:t>
-            </a:r>
-            <a:r>
-              <a:rPr lang="it-IT" sz="1000" b="1" smtClean="0">
-                <a:solidFill>
-                  <a:srgbClr val="000080"/>
-                </a:solidFill>
-                <a:highlight>
-                  <a:srgbClr val="FFFFFF"/>
-                </a:highlight>
-                <a:latin typeface="Courier New" panose="02070309020205020404" pitchFamily="49" charset="0"/>
-              </a:rPr>
-              <a:t>,</a:t>
-            </a:r>
-            <a:r>
-              <a:rPr lang="it-IT" sz="1000" b="1" smtClean="0">
-                <a:solidFill>
-                  <a:srgbClr val="0000FF"/>
-                </a:solidFill>
-                <a:highlight>
-                  <a:srgbClr val="FFFFFF"/>
-                </a:highlight>
-                <a:latin typeface="Courier New" panose="02070309020205020404" pitchFamily="49" charset="0"/>
-              </a:rPr>
-              <a:t>NULL</a:t>
-            </a:r>
-            <a:r>
-              <a:rPr lang="it-IT" sz="1000" b="1" smtClean="0">
-                <a:solidFill>
-                  <a:srgbClr val="000080"/>
-                </a:solidFill>
-                <a:highlight>
-                  <a:srgbClr val="FFFFFF"/>
-                </a:highlight>
-                <a:latin typeface="Courier New" panose="02070309020205020404" pitchFamily="49" charset="0"/>
-              </a:rPr>
-              <a:t>,</a:t>
-            </a:r>
-            <a:r>
-              <a:rPr lang="it-IT" sz="1000" b="1" smtClean="0">
-                <a:solidFill>
-                  <a:srgbClr val="0000FF"/>
-                </a:solidFill>
-                <a:highlight>
-                  <a:srgbClr val="FFFFFF"/>
-                </a:highlight>
-                <a:latin typeface="Courier New" panose="02070309020205020404" pitchFamily="49" charset="0"/>
-              </a:rPr>
-              <a:t>NULL</a:t>
-            </a:r>
-            <a:r>
-              <a:rPr lang="it-IT" sz="1000" b="1" smtClean="0">
-                <a:solidFill>
-                  <a:srgbClr val="000080"/>
-                </a:solidFill>
-                <a:highlight>
-                  <a:srgbClr val="FFFFFF"/>
-                </a:highlight>
-                <a:latin typeface="Courier New" panose="02070309020205020404" pitchFamily="49" charset="0"/>
-              </a:rPr>
-              <a:t>,</a:t>
-            </a:r>
-            <a:r>
-              <a:rPr lang="it-IT" sz="1000" b="1" smtClean="0">
-                <a:solidFill>
-                  <a:srgbClr val="0000FF"/>
-                </a:solidFill>
-                <a:highlight>
-                  <a:srgbClr val="FFFFFF"/>
-                </a:highlight>
-                <a:latin typeface="Courier New" panose="02070309020205020404" pitchFamily="49" charset="0"/>
-              </a:rPr>
-              <a:t>NULL</a:t>
+                <a:highlight>
+                  <a:srgbClr val="FFFFFF"/>
+                </a:highlight>
+                <a:latin typeface="Courier New" panose="02070309020205020404" pitchFamily="49" charset="0"/>
+              </a:rPr>
+              <a:t>NULL,NULL,NULL</a:t>
             </a:r>
             <a:r>
               <a:rPr lang="it-IT" sz="1000" b="1" smtClean="0">
@@ -5933,7 +5588,31 @@
                 </a:highlight>
                 <a:latin typeface="Courier New" panose="02070309020205020404" pitchFamily="49" charset="0"/>
               </a:rPr>
-              <a:t>  </a:t>
+              <a:t>   </a:t>
+            </a:r>
+            <a:r>
+              <a:rPr lang="en-US" sz="1000" b="1" smtClean="0">
+                <a:solidFill>
+                  <a:srgbClr val="000000"/>
+                </a:solidFill>
+                <a:highlight>
+                  <a:srgbClr val="FFFFFF"/>
+                </a:highlight>
+                <a:latin typeface="Courier New" panose="02070309020205020404" pitchFamily="49" charset="0"/>
+              </a:rPr>
+              <a:t>transition</a:t>
+            </a:r>
+            <a:r>
+              <a:rPr lang="en-US" sz="1000" b="1" smtClean="0">
+                <a:solidFill>
+                  <a:srgbClr val="000080"/>
+                </a:solidFill>
+                <a:highlight>
+                  <a:srgbClr val="FFFFFF"/>
+                </a:highlight>
+                <a:latin typeface="Courier New" panose="02070309020205020404" pitchFamily="49" charset="0"/>
+              </a:rPr>
+              <a:t>(</a:t>
             </a:r>
             <a:r>
               <a:rPr lang="en-US" sz="1000" b="0" smtClean="0">
@@ -5945,7 +5624,19 @@
                 </a:highlight>
                 <a:latin typeface="Courier New" panose="02070309020205020404" pitchFamily="49" charset="0"/>
               </a:rPr>
-              <a:t> </a:t>
+              <a:t>c1</a:t>
+            </a:r>
+            <a:r>
+              <a:rPr lang="en-US" sz="1000" b="1" smtClean="0">
+                <a:solidFill>
+                  <a:srgbClr val="000080"/>
+                </a:solidFill>
+                <a:highlight>
+                  <a:srgbClr val="FFFFFF"/>
+                </a:highlight>
+                <a:latin typeface="Courier New" panose="02070309020205020404" pitchFamily="49" charset="0"/>
+              </a:rPr>
+              <a:t>,</a:t>
             </a:r>
             <a:r>
               <a:rPr lang="en-US" sz="1000" b="0" smtClean="0">
@@ -5957,7 +5648,7 @@
                 </a:highlight>
                 <a:latin typeface="Courier New" panose="02070309020205020404" pitchFamily="49" charset="0"/>
               </a:rPr>
-              <a:t>TRANSITION</a:t>
+              <a:t>S3</a:t>
             </a:r>
             <a:r>
               <a:rPr lang="en-US" sz="1000" b="1" smtClean="0">
@@ -5969,115 +5660,16 @@
                 </a:highlight>
                 <a:latin typeface="Courier New" panose="02070309020205020404" pitchFamily="49" charset="0"/>
               </a:rPr>
-              <a:t>(</a:t>
-            </a:r>
-            <a:r>
-              <a:rPr lang="en-US" sz="1000" b="0" smtClean="0">
-                <a:solidFill>
-                  <a:srgbClr val="000000"/>
-                </a:solidFill>
-                <a:highlight>
-                  <a:srgbClr val="FFFFFF"/>
-                </a:highlight>
-                <a:latin typeface="Courier New" panose="02070309020205020404" pitchFamily="49" charset="0"/>
-              </a:rPr>
-              <a:t>c1</a:t>
+              <a:t>,</a:t>
             </a:r>
             <a:r>
               <a:rPr lang="en-US" sz="1000" b="1" smtClean="0">
-                <a:solidFill>
-                  <a:srgbClr val="000080"/>
-                </a:solidFill>
-                <a:highlight>
-                  <a:srgbClr val="FFFFFF"/>
-                </a:highlight>
-                <a:latin typeface="Courier New" panose="02070309020205020404" pitchFamily="49" charset="0"/>
-              </a:rPr>
-              <a:t>,</a:t>
-            </a:r>
-            <a:r>
-              <a:rPr lang="en-US" sz="1000" b="0" smtClean="0">
-                <a:solidFill>
-                  <a:srgbClr val="000000"/>
-                </a:solidFill>
-                <a:highlight>
-                  <a:srgbClr val="FFFFFF"/>
-                </a:highlight>
-                <a:latin typeface="Courier New" panose="02070309020205020404" pitchFamily="49" charset="0"/>
-              </a:rPr>
-              <a:t>S3</a:t>
-            </a:r>
-            <a:r>
-              <a:rPr lang="en-US" sz="1000" b="1" smtClean="0">
-                <a:solidFill>
-                  <a:srgbClr val="000080"/>
-                </a:solidFill>
-                <a:highlight>
-                  <a:srgbClr val="FFFFFF"/>
-                </a:highlight>
-                <a:latin typeface="Courier New" panose="02070309020205020404" pitchFamily="49" charset="0"/>
-              </a:rPr>
-              <a:t>,</a:t>
-            </a:r>
-            <a:r>
-              <a:rPr lang="en-US" sz="1000" b="1" smtClean="0">
-                <a:solidFill>
-                  <a:srgbClr val="0000FF"/>
-                </a:solidFill>
-                <a:highlight>
-                  <a:srgbClr val="FFFFFF"/>
-                </a:highlight>
-                <a:latin typeface="Courier New" panose="02070309020205020404" pitchFamily="49" charset="0"/>
-              </a:rPr>
-              <a:t>NULL</a:t>
-            </a:r>
-            <a:r>
-              <a:rPr lang="en-US" sz="1000" b="1" smtClean="0">
-                <a:solidFill>
-                  <a:srgbClr val="000080"/>
-                </a:solidFill>
-                <a:highlight>
-                  <a:srgbClr val="FFFFFF"/>
-                </a:highlight>
-                <a:latin typeface="Courier New" panose="02070309020205020404" pitchFamily="49" charset="0"/>
-              </a:rPr>
-              <a:t>,</a:t>
-            </a:r>
-            <a:r>
-              <a:rPr lang="en-US" sz="1000" b="1" smtClean="0">
-                <a:solidFill>
-                  <a:srgbClr val="0000FF"/>
-                </a:solidFill>
-                <a:highlight>
-                  <a:srgbClr val="FFFFFF"/>
-                </a:highlight>
-                <a:latin typeface="Courier New" panose="02070309020205020404" pitchFamily="49" charset="0"/>
-              </a:rPr>
-              <a:t>NULL</a:t>
-            </a:r>
-            <a:r>
-              <a:rPr lang="en-US" sz="1000" b="1" smtClean="0">
-                <a:solidFill>
-                  <a:srgbClr val="000080"/>
-                </a:solidFill>
-                <a:highlight>
-                  <a:srgbClr val="FFFFFF"/>
-                </a:highlight>
-                <a:latin typeface="Courier New" panose="02070309020205020404" pitchFamily="49" charset="0"/>
-              </a:rPr>
-              <a:t>,</a:t>
-            </a:r>
-            <a:r>
-              <a:rPr lang="en-US" sz="1000" b="1" smtClean="0">
-                <a:solidFill>
-                  <a:srgbClr val="0000FF"/>
-                </a:solidFill>
-                <a:highlight>
-                  <a:srgbClr val="FFFFFF"/>
-                </a:highlight>
-                <a:latin typeface="Courier New" panose="02070309020205020404" pitchFamily="49" charset="0"/>
-              </a:rPr>
-              <a:t>NULL</a:t>
+                <a:highlight>
+                  <a:srgbClr val="FFFFFF"/>
+                </a:highlight>
+                <a:latin typeface="Courier New" panose="02070309020205020404" pitchFamily="49" charset="0"/>
+              </a:rPr>
+              <a:t>NULL,NULL,NULL</a:t>
             </a:r>
             <a:r>
               <a:rPr lang="en-US" sz="1000" b="1" smtClean="0">
@@ -6112,19 +5704,7 @@
                 </a:highlight>
                 <a:latin typeface="Courier New" panose="02070309020205020404" pitchFamily="49" charset="0"/>
               </a:rPr>
-              <a:t>  </a:t>
-            </a:r>
-            <a:r>
-              <a:rPr lang="fr-FR" sz="1000" b="1" smtClean="0">
-                <a:solidFill>
-                  <a:srgbClr val="000080"/>
-                </a:solidFill>
-                <a:highlight>
-                  <a:srgbClr val="FFFFFF"/>
-                </a:highlight>
-                <a:latin typeface="Courier New" panose="02070309020205020404" pitchFamily="49" charset="0"/>
-              </a:rPr>
-              <a:t>}</a:t>
+              <a:t>  }</a:t>
             </a:r>
             <a:endParaRPr lang="fr-FR" sz="1000" b="0" smtClean="0">
               <a:solidFill>
@@ -6147,19 +5727,7 @@
                 </a:highlight>
                 <a:latin typeface="Courier New" panose="02070309020205020404" pitchFamily="49" charset="0"/>
               </a:rPr>
-              <a:t> </a:t>
-            </a:r>
-            <a:r>
-              <a:rPr lang="fr-FR" sz="1000" b="1" smtClean="0">
-                <a:solidFill>
-                  <a:srgbClr val="000080"/>
-                </a:solidFill>
-                <a:highlight>
-                  <a:srgbClr val="FFFFFF"/>
-                </a:highlight>
-                <a:latin typeface="Courier New" panose="02070309020205020404" pitchFamily="49" charset="0"/>
-              </a:rPr>
-              <a:t>};</a:t>
+              <a:t> };</a:t>
             </a:r>
             <a:endParaRPr lang="fr-FR" sz="1000" b="0" smtClean="0">
               <a:solidFill>
@@ -6206,19 +5774,7 @@
                 </a:highlight>
                 <a:latin typeface="Courier New" panose="02070309020205020404" pitchFamily="49" charset="0"/>
               </a:rPr>
-              <a:t> </a:t>
-            </a:r>
-            <a:r>
-              <a:rPr lang="fr-FR" sz="1000" b="0" smtClean="0">
-                <a:solidFill>
-                  <a:srgbClr val="000000"/>
-                </a:solidFill>
-                <a:highlight>
-                  <a:srgbClr val="FFFFFF"/>
-                </a:highlight>
-                <a:latin typeface="Courier New" panose="02070309020205020404" pitchFamily="49" charset="0"/>
-              </a:rPr>
-              <a:t>S1_entry</a:t>
+              <a:t> S1_entry</a:t>
             </a:r>
             <a:r>
               <a:rPr lang="fr-FR" sz="1000" b="1" smtClean="0">
@@ -6277,57 +5833,21 @@
                 </a:highlight>
                 <a:latin typeface="Courier New" panose="02070309020205020404" pitchFamily="49" charset="0"/>
               </a:rPr>
-              <a:t> </a:t>
-            </a:r>
-            <a:r>
-              <a:rPr lang="fr-FR" sz="1000" b="0" smtClean="0">
-                <a:solidFill>
-                  <a:srgbClr val="008000"/>
-                </a:solidFill>
-                <a:highlight>
-                  <a:srgbClr val="FFFFFF"/>
-                </a:highlight>
-                <a:latin typeface="Courier New" panose="02070309020205020404" pitchFamily="49" charset="0"/>
-              </a:rPr>
-              <a:t> </a:t>
-            </a:r>
-            <a:r>
-              <a:rPr lang="fr-FR" sz="1000" b="0" smtClean="0">
-                <a:solidFill>
-                  <a:srgbClr val="008000"/>
-                </a:solidFill>
-                <a:highlight>
-                  <a:srgbClr val="FFFFFF"/>
-                </a:highlight>
-                <a:latin typeface="Courier New" panose="02070309020205020404" pitchFamily="49" charset="0"/>
-              </a:rPr>
-              <a:t>//Entry action for S1</a:t>
-            </a:r>
-          </a:p>
-          <a:p>
-            <a:r>
-              <a:rPr lang="fr-FR" sz="1000" b="1" smtClean="0">
-                <a:solidFill>
-                  <a:srgbClr val="000080"/>
-                </a:solidFill>
-                <a:highlight>
-                  <a:srgbClr val="FFFFFF"/>
-                </a:highlight>
-                <a:latin typeface="Courier New" panose="02070309020205020404" pitchFamily="49" charset="0"/>
-              </a:rPr>
-              <a:t> </a:t>
-            </a:r>
-            <a:r>
-              <a:rPr lang="fr-FR" sz="1000" b="1" smtClean="0">
-                <a:solidFill>
-                  <a:srgbClr val="000080"/>
-                </a:solidFill>
-                <a:highlight>
-                  <a:srgbClr val="FFFFFF"/>
-                </a:highlight>
-                <a:latin typeface="Courier New" panose="02070309020205020404" pitchFamily="49" charset="0"/>
-              </a:rPr>
-              <a:t>}</a:t>
+              <a:t>  //Entry action for S1</a:t>
+            </a:r>
+          </a:p>
+          <a:p>
+            <a:r>
+              <a:rPr lang="fr-FR" sz="1000" b="1" smtClean="0">
+                <a:solidFill>
+                  <a:srgbClr val="000080"/>
+                </a:solidFill>
+                <a:highlight>
+                  <a:srgbClr val="FFFFFF"/>
+                </a:highlight>
+                <a:latin typeface="Courier New" panose="02070309020205020404" pitchFamily="49" charset="0"/>
+              </a:rPr>
+              <a:t> }</a:t>
             </a:r>
             <a:endParaRPr lang="fr-FR" sz="1000" b="0" smtClean="0">
               <a:solidFill>
@@ -6350,8 +5870,10 @@
                 </a:highlight>
                 <a:latin typeface="Courier New" panose="02070309020205020404" pitchFamily="49" charset="0"/>
               </a:rPr>
-              <a:t> </a:t>
-            </a:r>
+              <a:t> //...</a:t>
+            </a:r>
+          </a:p>
+          <a:p>
             <a:r>
               <a:rPr lang="fr-FR" sz="1000" b="0" smtClean="0">
                 <a:solidFill>
@@ -6362,54 +5884,7 @@
                 </a:highlight>
                 <a:latin typeface="Courier New" panose="02070309020205020404" pitchFamily="49" charset="0"/>
               </a:rPr>
-              <a:t>//...</a:t>
-            </a:r>
-            <a:endParaRPr lang="fr-FR" sz="1000" b="0" smtClean="0">
-              <a:solidFill>
-                <a:srgbClr val="008000"/>
-              </a:solidFill>
-              <a:highlight>
-                <a:srgbClr val="FFFFFF"/>
-              </a:highlight>
-              <a:latin typeface="Courier New" panose="02070309020205020404" pitchFamily="49" charset="0"/>
-            </a:endParaRPr>
-          </a:p>
-          <a:p>
-            <a:r>
-              <a:rPr lang="fr-FR" sz="1000" b="0" smtClean="0">
-                <a:solidFill>
-                  <a:srgbClr val="008000"/>
-                </a:solidFill>
-                <a:highlight>
-                  <a:srgbClr val="FFFFFF"/>
-                </a:highlight>
-                <a:latin typeface="Courier New" panose="02070309020205020404" pitchFamily="49" charset="0"/>
-              </a:rPr>
-              <a:t> </a:t>
-            </a:r>
-            <a:r>
-              <a:rPr lang="fr-FR" sz="1000" b="0" smtClean="0">
-                <a:solidFill>
-                  <a:srgbClr val="008000"/>
-                </a:solidFill>
-                <a:highlight>
-                  <a:srgbClr val="FFFFFF"/>
-                </a:highlight>
-                <a:latin typeface="Courier New" panose="02070309020205020404" pitchFamily="49" charset="0"/>
-              </a:rPr>
-              <a:t>//</a:t>
-            </a:r>
-            <a:r>
-              <a:rPr lang="fr-FR" sz="1000" b="0" smtClean="0">
-                <a:solidFill>
-                  <a:srgbClr val="008000"/>
-                </a:solidFill>
-                <a:highlight>
-                  <a:srgbClr val="FFFFFF"/>
-                </a:highlight>
-                <a:latin typeface="Courier New" panose="02070309020205020404" pitchFamily="49" charset="0"/>
-              </a:rPr>
-              <a:t>class member declarations</a:t>
+              <a:t> //class member declarations</a:t>
             </a:r>
           </a:p>
           <a:p>
@@ -6514,16 +5989,13 @@
               <a:t> </a:t>
             </a:r>
             <a:r>
-              <a:rPr lang="fr-FR" sz="1000" b="0" smtClean="0">
-                <a:solidFill>
-                  <a:srgbClr val="000000"/>
-                </a:solidFill>
-                <a:highlight>
-                  <a:srgbClr val="FFFFFF"/>
-                </a:highlight>
-                <a:latin typeface="Courier New" panose="02070309020205020404" pitchFamily="49" charset="0"/>
-              </a:rPr>
-              <a:t>STATE_MACHINE</a:t>
+              <a:rPr lang="fr-FR" sz="1000" b="1" smtClean="0">
+                <a:highlight>
+                  <a:srgbClr val="FFFFFF"/>
+                </a:highlight>
+                <a:latin typeface="Courier New" panose="02070309020205020404" pitchFamily="49" charset="0"/>
+              </a:rPr>
+              <a:t>state_machine</a:t>
             </a:r>
             <a:r>
               <a:rPr lang="fr-FR" sz="1000" b="1" smtClean="0">
@@ -6606,31 +6078,19 @@
                 </a:highlight>
                 <a:latin typeface="Courier New" panose="02070309020205020404" pitchFamily="49" charset="0"/>
               </a:rPr>
-              <a:t> </a:t>
-            </a:r>
-            <a:r>
-              <a:rPr lang="fr-FR" sz="1000" b="0" smtClean="0">
-                <a:solidFill>
-                  <a:srgbClr val="000000"/>
-                </a:solidFill>
-                <a:highlight>
-                  <a:srgbClr val="FFFFFF"/>
-                </a:highlight>
-                <a:latin typeface="Courier New" panose="02070309020205020404" pitchFamily="49" charset="0"/>
-              </a:rPr>
-              <a:t> </a:t>
-            </a:r>
-            <a:r>
-              <a:rPr lang="fr-FR" sz="1000" b="0" smtClean="0">
-                <a:solidFill>
-                  <a:srgbClr val="000000"/>
-                </a:solidFill>
-                <a:highlight>
-                  <a:srgbClr val="FFFFFF"/>
-                </a:highlight>
-                <a:latin typeface="Courier New" panose="02070309020205020404" pitchFamily="49" charset="0"/>
-              </a:rPr>
-              <a:t>INITIAL_STATE</a:t>
+              <a:t>  </a:t>
+            </a:r>
+            <a:r>
+              <a:rPr lang="fr-FR" sz="1000" b="1" smtClean="0">
+                <a:solidFill>
+                  <a:srgbClr val="000000"/>
+                </a:solidFill>
+                <a:highlight>
+                  <a:srgbClr val="FFFFFF"/>
+                </a:highlight>
+                <a:latin typeface="Courier New" panose="02070309020205020404" pitchFamily="49" charset="0"/>
+              </a:rPr>
+              <a:t>initial_state</a:t>
             </a:r>
             <a:r>
               <a:rPr lang="fr-FR" sz="1000" b="1" smtClean="0">
@@ -6718,9 +6178,6 @@
             </a:r>
             <a:r>
               <a:rPr lang="fr-FR" sz="1000" b="1" smtClean="0">
-                <a:solidFill>
-                  <a:srgbClr val="0000FF"/>
-                </a:solidFill>
                 <a:highlight>
                   <a:srgbClr val="FFFFFF"/>
                 </a:highlight>
@@ -6761,31 +6218,19 @@
                 </a:highlight>
                 <a:latin typeface="Courier New" panose="02070309020205020404" pitchFamily="49" charset="0"/>
               </a:rPr>
-              <a:t> </a:t>
-            </a:r>
-            <a:r>
-              <a:rPr lang="fr-FR" sz="1000" b="0" smtClean="0">
-                <a:solidFill>
-                  <a:srgbClr val="000000"/>
-                </a:solidFill>
-                <a:highlight>
-                  <a:srgbClr val="FFFFFF"/>
-                </a:highlight>
-                <a:latin typeface="Courier New" panose="02070309020205020404" pitchFamily="49" charset="0"/>
-              </a:rPr>
-              <a:t>  </a:t>
-            </a:r>
-            <a:r>
-              <a:rPr lang="fr-FR" sz="1000" b="0" smtClean="0">
-                <a:solidFill>
-                  <a:srgbClr val="000000"/>
-                </a:solidFill>
-                <a:highlight>
-                  <a:srgbClr val="FFFFFF"/>
-                </a:highlight>
-                <a:latin typeface="Courier New" panose="02070309020205020404" pitchFamily="49" charset="0"/>
-              </a:rPr>
-              <a:t>INITIAL</a:t>
+              <a:t>   </a:t>
+            </a:r>
+            <a:r>
+              <a:rPr lang="fr-FR" sz="1000" b="1" smtClean="0">
+                <a:solidFill>
+                  <a:srgbClr val="000000"/>
+                </a:solidFill>
+                <a:highlight>
+                  <a:srgbClr val="FFFFFF"/>
+                </a:highlight>
+                <a:latin typeface="Courier New" panose="02070309020205020404" pitchFamily="49" charset="0"/>
+              </a:rPr>
+              <a:t>initial</a:t>
             </a:r>
             <a:r>
               <a:rPr lang="fr-FR" sz="1000" b="1" smtClean="0">
@@ -6844,19 +6289,19 @@
                 </a:highlight>
                 <a:latin typeface="Courier New" panose="02070309020205020404" pitchFamily="49" charset="0"/>
               </a:rPr>
-              <a:t> </a:t>
-            </a:r>
-            <a:r>
-              <a:rPr lang="fr-FR" sz="1000" b="0" smtClean="0">
-                <a:solidFill>
-                  <a:srgbClr val="000000"/>
-                </a:solidFill>
-                <a:highlight>
-                  <a:srgbClr val="FFFFFF"/>
-                </a:highlight>
-                <a:latin typeface="Courier New" panose="02070309020205020404" pitchFamily="49" charset="0"/>
-              </a:rPr>
-              <a:t>  STATE</a:t>
+              <a:t>   </a:t>
+            </a:r>
+            <a:r>
+              <a:rPr lang="fr-FR" sz="1000" b="1" smtClean="0">
+                <a:solidFill>
+                  <a:srgbClr val="000000"/>
+                </a:solidFill>
+                <a:highlight>
+                  <a:srgbClr val="FFFFFF"/>
+                </a:highlight>
+                <a:latin typeface="Courier New" panose="02070309020205020404" pitchFamily="49" charset="0"/>
+              </a:rPr>
+              <a:t>state</a:t>
             </a:r>
             <a:r>
               <a:rPr lang="fr-FR" sz="1000" b="1" smtClean="0">
@@ -7002,16 +6447,16 @@
               <a:t>   </a:t>
             </a:r>
             <a:r>
-              <a:rPr lang="fr-FR" sz="1000" b="0" smtClean="0">
-                <a:solidFill>
-                  <a:srgbClr val="000000"/>
-                </a:solidFill>
-                <a:highlight>
-                  <a:srgbClr val="FFFFFF"/>
-                </a:highlight>
-                <a:latin typeface="Courier New" panose="02070309020205020404" pitchFamily="49" charset="0"/>
-              </a:rPr>
-              <a:t>STATE</a:t>
+              <a:rPr lang="fr-FR" sz="1000" b="1" smtClean="0">
+                <a:solidFill>
+                  <a:srgbClr val="000000"/>
+                </a:solidFill>
+                <a:highlight>
+                  <a:srgbClr val="FFFFFF"/>
+                </a:highlight>
+                <a:latin typeface="Courier New" panose="02070309020205020404" pitchFamily="49" charset="0"/>
+              </a:rPr>
+              <a:t>state</a:t>
             </a:r>
             <a:r>
               <a:rPr lang="fr-FR" sz="1000" b="1" smtClean="0">
@@ -7180,16 +6625,16 @@
               <a:t>  </a:t>
             </a:r>
             <a:r>
-              <a:rPr lang="fr-FR" sz="1000" b="0" smtClean="0">
-                <a:solidFill>
-                  <a:srgbClr val="000000"/>
-                </a:solidFill>
-                <a:highlight>
-                  <a:srgbClr val="FFFFFF"/>
-                </a:highlight>
-                <a:latin typeface="Courier New" panose="02070309020205020404" pitchFamily="49" charset="0"/>
-              </a:rPr>
-              <a:t>CHOICE</a:t>
+              <a:rPr lang="fr-FR" sz="1000" b="1" smtClean="0">
+                <a:solidFill>
+                  <a:srgbClr val="000000"/>
+                </a:solidFill>
+                <a:highlight>
+                  <a:srgbClr val="FFFFFF"/>
+                </a:highlight>
+                <a:latin typeface="Courier New" panose="02070309020205020404" pitchFamily="49" charset="0"/>
+              </a:rPr>
+              <a:t>choice</a:t>
             </a:r>
             <a:r>
               <a:rPr lang="fr-FR" sz="1000" b="1" smtClean="0">
@@ -7295,31 +6740,19 @@
                 </a:highlight>
                 <a:latin typeface="Courier New" panose="02070309020205020404" pitchFamily="49" charset="0"/>
               </a:rPr>
-              <a:t> </a:t>
-            </a:r>
-            <a:r>
-              <a:rPr lang="fr-FR" sz="1000" b="0" smtClean="0">
-                <a:solidFill>
-                  <a:srgbClr val="000000"/>
-                </a:solidFill>
-                <a:highlight>
-                  <a:srgbClr val="FFFFFF"/>
-                </a:highlight>
-                <a:latin typeface="Courier New" panose="02070309020205020404" pitchFamily="49" charset="0"/>
-              </a:rPr>
-              <a:t> </a:t>
-            </a:r>
-            <a:r>
-              <a:rPr lang="fr-FR" sz="1000" b="0" smtClean="0">
-                <a:solidFill>
-                  <a:srgbClr val="000000"/>
-                </a:solidFill>
-                <a:highlight>
-                  <a:srgbClr val="FFFFFF"/>
-                </a:highlight>
-                <a:latin typeface="Courier New" panose="02070309020205020404" pitchFamily="49" charset="0"/>
-              </a:rPr>
-              <a:t>STATE</a:t>
+              <a:t>  </a:t>
+            </a:r>
+            <a:r>
+              <a:rPr lang="fr-FR" sz="1000" b="1" smtClean="0">
+                <a:solidFill>
+                  <a:srgbClr val="000000"/>
+                </a:solidFill>
+                <a:highlight>
+                  <a:srgbClr val="FFFFFF"/>
+                </a:highlight>
+                <a:latin typeface="Courier New" panose="02070309020205020404" pitchFamily="49" charset="0"/>
+              </a:rPr>
+              <a:t>state</a:t>
             </a:r>
             <a:r>
               <a:rPr lang="fr-FR" sz="1000" b="1" smtClean="0">
@@ -7450,31 +6883,16 @@
                 </a:highlight>
                 <a:latin typeface="Courier New" panose="02070309020205020404" pitchFamily="49" charset="0"/>
               </a:rPr>
-              <a:t>  </a:t>
-            </a:r>
-            <a:r>
-              <a:rPr lang="fr-FR" sz="1000" b="0" smtClean="0">
-                <a:solidFill>
-                  <a:srgbClr val="000000"/>
-                </a:solidFill>
-                <a:highlight>
-                  <a:srgbClr val="FFFFFF"/>
-                </a:highlight>
-                <a:latin typeface="Courier New" panose="02070309020205020404" pitchFamily="49" charset="0"/>
-              </a:rPr>
-              <a:t> </a:t>
-            </a:r>
-            <a:r>
-              <a:rPr lang="fr-FR" sz="1000" b="0" smtClean="0">
-                <a:solidFill>
-                  <a:srgbClr val="000000"/>
-                </a:solidFill>
-                <a:highlight>
-                  <a:srgbClr val="FFFFFF"/>
-                </a:highlight>
-                <a:latin typeface="Courier New" panose="02070309020205020404" pitchFamily="49" charset="0"/>
-              </a:rPr>
-              <a:t>DEEP_HISTORY</a:t>
+              <a:t>   </a:t>
+            </a:r>
+            <a:r>
+              <a:rPr lang="fr-FR" sz="1000" b="1" smtClean="0">
+                <a:highlight>
+                  <a:srgbClr val="FFFFFF"/>
+                </a:highlight>
+                <a:latin typeface="Courier New" panose="02070309020205020404" pitchFamily="49" charset="0"/>
+              </a:rPr>
+              <a:t>deep_history</a:t>
             </a:r>
             <a:r>
               <a:rPr lang="fr-FR" sz="1000" b="1" smtClean="0">
@@ -7548,16 +6966,16 @@
               <a:t>  </a:t>
             </a:r>
             <a:r>
-              <a:rPr lang="fr-FR" sz="1000" b="0" smtClean="0">
-                <a:solidFill>
-                  <a:srgbClr val="000000"/>
-                </a:solidFill>
-                <a:highlight>
-                  <a:srgbClr val="FFFFFF"/>
-                </a:highlight>
-                <a:latin typeface="Courier New" panose="02070309020205020404" pitchFamily="49" charset="0"/>
-              </a:rPr>
-              <a:t>STATE</a:t>
+              <a:rPr lang="fr-FR" sz="1000" b="1" smtClean="0">
+                <a:solidFill>
+                  <a:srgbClr val="000000"/>
+                </a:solidFill>
+                <a:highlight>
+                  <a:srgbClr val="FFFFFF"/>
+                </a:highlight>
+                <a:latin typeface="Courier New" panose="02070309020205020404" pitchFamily="49" charset="0"/>
+              </a:rPr>
+              <a:t>state</a:t>
             </a:r>
             <a:r>
               <a:rPr lang="fr-FR" sz="1000" b="1" smtClean="0">
@@ -7700,31 +7118,19 @@
                 </a:highlight>
                 <a:latin typeface="Courier New" panose="02070309020205020404" pitchFamily="49" charset="0"/>
               </a:rPr>
-              <a:t>  </a:t>
-            </a:r>
-            <a:r>
-              <a:rPr lang="fr-FR" sz="1000" smtClean="0">
-                <a:solidFill>
-                  <a:srgbClr val="000000"/>
-                </a:solidFill>
-                <a:highlight>
-                  <a:srgbClr val="FFFFFF"/>
-                </a:highlight>
-                <a:latin typeface="Courier New" panose="02070309020205020404" pitchFamily="49" charset="0"/>
-              </a:rPr>
-              <a:t> </a:t>
-            </a:r>
-            <a:r>
-              <a:rPr lang="fr-FR" sz="1000" b="0" smtClean="0">
-                <a:solidFill>
-                  <a:srgbClr val="000000"/>
-                </a:solidFill>
-                <a:highlight>
-                  <a:srgbClr val="FFFFFF"/>
-                </a:highlight>
-                <a:latin typeface="Courier New" panose="02070309020205020404" pitchFamily="49" charset="0"/>
-              </a:rPr>
-              <a:t>STATE</a:t>
+              <a:t>   </a:t>
+            </a:r>
+            <a:r>
+              <a:rPr lang="fr-FR" sz="1000" b="1" smtClean="0">
+                <a:solidFill>
+                  <a:srgbClr val="000000"/>
+                </a:solidFill>
+                <a:highlight>
+                  <a:srgbClr val="FFFFFF"/>
+                </a:highlight>
+                <a:latin typeface="Courier New" panose="02070309020205020404" pitchFamily="49" charset="0"/>
+              </a:rPr>
+              <a:t>state</a:t>
             </a:r>
             <a:r>
               <a:rPr lang="fr-FR" sz="1000" b="1" smtClean="0">
@@ -7928,16 +7334,16 @@
               <a:t>  </a:t>
             </a:r>
             <a:r>
-              <a:rPr lang="fr-FR" sz="1000" b="0" smtClean="0">
-                <a:solidFill>
-                  <a:srgbClr val="000000"/>
-                </a:solidFill>
-                <a:highlight>
-                  <a:srgbClr val="FFFFFF"/>
-                </a:highlight>
-                <a:latin typeface="Courier New" panose="02070309020205020404" pitchFamily="49" charset="0"/>
-              </a:rPr>
-              <a:t>FINAL_STATE</a:t>
+              <a:rPr lang="fr-FR" sz="1000" b="1" smtClean="0">
+                <a:solidFill>
+                  <a:srgbClr val="000000"/>
+                </a:solidFill>
+                <a:highlight>
+                  <a:srgbClr val="FFFFFF"/>
+                </a:highlight>
+                <a:latin typeface="Courier New" panose="02070309020205020404" pitchFamily="49" charset="0"/>
+              </a:rPr>
+              <a:t>final_state</a:t>
             </a:r>
             <a:r>
               <a:rPr lang="fr-FR" sz="1000" b="1" smtClean="0">
@@ -7996,95 +7402,59 @@
                 </a:highlight>
                 <a:latin typeface="Courier New" panose="02070309020205020404" pitchFamily="49" charset="0"/>
               </a:rPr>
+              <a:t>  //Event table definitions</a:t>
+            </a:r>
+          </a:p>
+          <a:p>
+            <a:r>
+              <a:rPr lang="fr-FR" sz="1000" b="0" smtClean="0">
+                <a:solidFill>
+                  <a:srgbClr val="008000"/>
+                </a:solidFill>
+                <a:highlight>
+                  <a:srgbClr val="FFFFFF"/>
+                </a:highlight>
+                <a:latin typeface="Courier New" panose="02070309020205020404" pitchFamily="49" charset="0"/>
+              </a:rPr>
+              <a:t>  //Transition table</a:t>
+            </a:r>
+          </a:p>
+          <a:p>
+            <a:r>
+              <a:rPr lang="fr-FR" sz="1000" b="0" smtClean="0">
+                <a:solidFill>
+                  <a:srgbClr val="000000"/>
+                </a:solidFill>
+                <a:highlight>
+                  <a:srgbClr val="FFFFFF"/>
+                </a:highlight>
+                <a:latin typeface="Courier New" panose="02070309020205020404" pitchFamily="49" charset="0"/>
+              </a:rPr>
               <a:t>  </a:t>
             </a:r>
             <a:r>
-              <a:rPr lang="fr-FR" sz="1000" b="0" smtClean="0">
-                <a:solidFill>
-                  <a:srgbClr val="008000"/>
-                </a:solidFill>
-                <a:highlight>
-                  <a:srgbClr val="FFFFFF"/>
-                </a:highlight>
-                <a:latin typeface="Courier New" panose="02070309020205020404" pitchFamily="49" charset="0"/>
-              </a:rPr>
-              <a:t>//</a:t>
-            </a:r>
-            <a:r>
-              <a:rPr lang="fr-FR" sz="1000" b="0" smtClean="0">
-                <a:solidFill>
-                  <a:srgbClr val="008000"/>
-                </a:solidFill>
-                <a:highlight>
-                  <a:srgbClr val="FFFFFF"/>
-                </a:highlight>
-                <a:latin typeface="Courier New" panose="02070309020205020404" pitchFamily="49" charset="0"/>
-              </a:rPr>
-              <a:t>Event table definitions</a:t>
-            </a:r>
-          </a:p>
-          <a:p>
-            <a:r>
-              <a:rPr lang="fr-FR" sz="1000" b="0" smtClean="0">
-                <a:solidFill>
-                  <a:srgbClr val="008000"/>
-                </a:solidFill>
-                <a:highlight>
-                  <a:srgbClr val="FFFFFF"/>
-                </a:highlight>
-                <a:latin typeface="Courier New" panose="02070309020205020404" pitchFamily="49" charset="0"/>
-              </a:rPr>
-              <a:t>  </a:t>
-            </a:r>
-            <a:r>
-              <a:rPr lang="fr-FR" sz="1000" b="0" smtClean="0">
-                <a:solidFill>
-                  <a:srgbClr val="008000"/>
-                </a:solidFill>
-                <a:highlight>
-                  <a:srgbClr val="FFFFFF"/>
-                </a:highlight>
-                <a:latin typeface="Courier New" panose="02070309020205020404" pitchFamily="49" charset="0"/>
-              </a:rPr>
-              <a:t>//</a:t>
-            </a:r>
-            <a:r>
-              <a:rPr lang="fr-FR" sz="1000" b="0" smtClean="0">
-                <a:solidFill>
-                  <a:srgbClr val="008000"/>
-                </a:solidFill>
-                <a:highlight>
-                  <a:srgbClr val="FFFFFF"/>
-                </a:highlight>
-                <a:latin typeface="Courier New" panose="02070309020205020404" pitchFamily="49" charset="0"/>
-              </a:rPr>
-              <a:t>Transition table</a:t>
-            </a:r>
-          </a:p>
-          <a:p>
-            <a:r>
-              <a:rPr lang="fr-FR" sz="1000" b="0" smtClean="0">
-                <a:solidFill>
-                  <a:srgbClr val="000000"/>
-                </a:solidFill>
-                <a:highlight>
-                  <a:srgbClr val="FFFFFF"/>
-                </a:highlight>
-                <a:latin typeface="Courier New" panose="02070309020205020404" pitchFamily="49" charset="0"/>
-              </a:rPr>
-              <a:t>  </a:t>
-            </a:r>
-            <a:r>
-              <a:rPr lang="fr-FR" sz="1000" b="0" smtClean="0">
-                <a:solidFill>
-                  <a:srgbClr val="000000"/>
-                </a:solidFill>
-                <a:highlight>
-                  <a:srgbClr val="FFFFFF"/>
-                </a:highlight>
-                <a:latin typeface="Courier New" panose="02070309020205020404" pitchFamily="49" charset="0"/>
-              </a:rPr>
-              <a:t>TRANSITION_TABLE </a:t>
+              <a:rPr lang="fr-FR" sz="1000" b="1" smtClean="0">
+                <a:solidFill>
+                  <a:srgbClr val="000000"/>
+                </a:solidFill>
+                <a:highlight>
+                  <a:srgbClr val="FFFFFF"/>
+                </a:highlight>
+                <a:latin typeface="Courier New" panose="02070309020205020404" pitchFamily="49" charset="0"/>
+              </a:rPr>
+              <a:t>transition_table</a:t>
+            </a:r>
+            <a:r>
+              <a:rPr lang="fr-FR" sz="1000" b="0" smtClean="0">
+                <a:solidFill>
+                  <a:srgbClr val="000000"/>
+                </a:solidFill>
+                <a:highlight>
+                  <a:srgbClr val="FFFFFF"/>
+                </a:highlight>
+                <a:latin typeface="Courier New" panose="02070309020205020404" pitchFamily="49" charset="0"/>
+              </a:rPr>
+              <a:t> </a:t>
             </a:r>
             <a:r>
               <a:rPr lang="fr-FR" sz="1000" b="1" smtClean="0">
@@ -8119,7 +7489,31 @@
                 </a:highlight>
                 <a:latin typeface="Courier New" panose="02070309020205020404" pitchFamily="49" charset="0"/>
               </a:rPr>
-              <a:t>  </a:t>
+              <a:t>   </a:t>
+            </a:r>
+            <a:r>
+              <a:rPr lang="en-US" sz="1000" b="1" smtClean="0">
+                <a:solidFill>
+                  <a:srgbClr val="000000"/>
+                </a:solidFill>
+                <a:highlight>
+                  <a:srgbClr val="FFFFFF"/>
+                </a:highlight>
+                <a:latin typeface="Courier New" panose="02070309020205020404" pitchFamily="49" charset="0"/>
+              </a:rPr>
+              <a:t>transition</a:t>
+            </a:r>
+            <a:r>
+              <a:rPr lang="en-US" sz="1000" b="1" smtClean="0">
+                <a:solidFill>
+                  <a:srgbClr val="000080"/>
+                </a:solidFill>
+                <a:highlight>
+                  <a:srgbClr val="FFFFFF"/>
+                </a:highlight>
+                <a:latin typeface="Courier New" panose="02070309020205020404" pitchFamily="49" charset="0"/>
+              </a:rPr>
+              <a:t>(</a:t>
             </a:r>
             <a:r>
               <a:rPr lang="en-US" sz="1000" b="0" smtClean="0">
@@ -8131,7 +7525,19 @@
                 </a:highlight>
                 <a:latin typeface="Courier New" panose="02070309020205020404" pitchFamily="49" charset="0"/>
               </a:rPr>
-              <a:t> </a:t>
+              <a:t>S111</a:t>
+            </a:r>
+            <a:r>
+              <a:rPr lang="en-US" sz="1000" b="1" smtClean="0">
+                <a:solidFill>
+                  <a:srgbClr val="000080"/>
+                </a:solidFill>
+                <a:highlight>
+                  <a:srgbClr val="FFFFFF"/>
+                </a:highlight>
+                <a:latin typeface="Courier New" panose="02070309020205020404" pitchFamily="49" charset="0"/>
+              </a:rPr>
+              <a:t>,</a:t>
             </a:r>
             <a:r>
               <a:rPr lang="en-US" sz="1000" b="0" smtClean="0">
@@ -8143,7 +7549,7 @@
                 </a:highlight>
                 <a:latin typeface="Courier New" panose="02070309020205020404" pitchFamily="49" charset="0"/>
               </a:rPr>
-              <a:t>TRANSITION</a:t>
+              <a:t>c1</a:t>
             </a:r>
             <a:r>
               <a:rPr lang="en-US" sz="1000" b="1" smtClean="0">
@@ -8155,115 +7561,16 @@
                 </a:highlight>
                 <a:latin typeface="Courier New" panose="02070309020205020404" pitchFamily="49" charset="0"/>
               </a:rPr>
-              <a:t>(</a:t>
-            </a:r>
-            <a:r>
-              <a:rPr lang="en-US" sz="1000" b="0" smtClean="0">
-                <a:solidFill>
-                  <a:srgbClr val="000000"/>
-                </a:solidFill>
-                <a:highlight>
-                  <a:srgbClr val="FFFFFF"/>
-                </a:highlight>
-                <a:latin typeface="Courier New" panose="02070309020205020404" pitchFamily="49" charset="0"/>
-              </a:rPr>
-              <a:t>S111</a:t>
+              <a:t>,</a:t>
             </a:r>
             <a:r>
               <a:rPr lang="en-US" sz="1000" b="1" smtClean="0">
-                <a:solidFill>
-                  <a:srgbClr val="000080"/>
-                </a:solidFill>
-                <a:highlight>
-                  <a:srgbClr val="FFFFFF"/>
-                </a:highlight>
-                <a:latin typeface="Courier New" panose="02070309020205020404" pitchFamily="49" charset="0"/>
-              </a:rPr>
-              <a:t>,</a:t>
-            </a:r>
-            <a:r>
-              <a:rPr lang="en-US" sz="1000" b="0" smtClean="0">
-                <a:solidFill>
-                  <a:srgbClr val="000000"/>
-                </a:solidFill>
-                <a:highlight>
-                  <a:srgbClr val="FFFFFF"/>
-                </a:highlight>
-                <a:latin typeface="Courier New" panose="02070309020205020404" pitchFamily="49" charset="0"/>
-              </a:rPr>
-              <a:t>c1</a:t>
-            </a:r>
-            <a:r>
-              <a:rPr lang="en-US" sz="1000" b="1" smtClean="0">
-                <a:solidFill>
-                  <a:srgbClr val="000080"/>
-                </a:solidFill>
-                <a:highlight>
-                  <a:srgbClr val="FFFFFF"/>
-                </a:highlight>
-                <a:latin typeface="Courier New" panose="02070309020205020404" pitchFamily="49" charset="0"/>
-              </a:rPr>
-              <a:t>,</a:t>
-            </a:r>
-            <a:r>
-              <a:rPr lang="en-US" sz="1000" b="1" smtClean="0">
-                <a:solidFill>
-                  <a:srgbClr val="0000FF"/>
-                </a:solidFill>
-                <a:highlight>
-                  <a:srgbClr val="FFFFFF"/>
-                </a:highlight>
-                <a:latin typeface="Courier New" panose="02070309020205020404" pitchFamily="49" charset="0"/>
-              </a:rPr>
-              <a:t>NULL</a:t>
-            </a:r>
-            <a:r>
-              <a:rPr lang="en-US" sz="1000" b="1" smtClean="0">
-                <a:solidFill>
-                  <a:srgbClr val="000080"/>
-                </a:solidFill>
-                <a:highlight>
-                  <a:srgbClr val="FFFFFF"/>
-                </a:highlight>
-                <a:latin typeface="Courier New" panose="02070309020205020404" pitchFamily="49" charset="0"/>
-              </a:rPr>
-              <a:t>,</a:t>
-            </a:r>
-            <a:r>
-              <a:rPr lang="en-US" sz="1000" b="1" smtClean="0">
-                <a:solidFill>
-                  <a:srgbClr val="0000FF"/>
-                </a:solidFill>
-                <a:highlight>
-                  <a:srgbClr val="FFFFFF"/>
-                </a:highlight>
-                <a:latin typeface="Courier New" panose="02070309020205020404" pitchFamily="49" charset="0"/>
-              </a:rPr>
-              <a:t>NULL</a:t>
-            </a:r>
-            <a:r>
-              <a:rPr lang="en-US" sz="1000" b="1" smtClean="0">
-                <a:solidFill>
-                  <a:srgbClr val="000080"/>
-                </a:solidFill>
-                <a:highlight>
-                  <a:srgbClr val="FFFFFF"/>
-                </a:highlight>
-                <a:latin typeface="Courier New" panose="02070309020205020404" pitchFamily="49" charset="0"/>
-              </a:rPr>
-              <a:t>,</a:t>
-            </a:r>
-            <a:r>
-              <a:rPr lang="en-US" sz="1000" b="1" smtClean="0">
-                <a:solidFill>
-                  <a:srgbClr val="0000FF"/>
-                </a:solidFill>
-                <a:highlight>
-                  <a:srgbClr val="FFFFFF"/>
-                </a:highlight>
-                <a:latin typeface="Courier New" panose="02070309020205020404" pitchFamily="49" charset="0"/>
-              </a:rPr>
-              <a:t>NULL</a:t>
+                <a:highlight>
+                  <a:srgbClr val="FFFFFF"/>
+                </a:highlight>
+                <a:latin typeface="Courier New" panose="02070309020205020404" pitchFamily="49" charset="0"/>
+              </a:rPr>
+              <a:t>NULL,NULL,NULL</a:t>
             </a:r>
             <a:r>
               <a:rPr lang="en-US" sz="1000" b="1" smtClean="0">
@@ -8310,31 +7617,19 @@
                 </a:highlight>
                 <a:latin typeface="Courier New" panose="02070309020205020404" pitchFamily="49" charset="0"/>
               </a:rPr>
-              <a:t> </a:t>
-            </a:r>
-            <a:r>
-              <a:rPr lang="fr-FR" sz="1000" smtClean="0">
-                <a:solidFill>
-                  <a:srgbClr val="000000"/>
-                </a:solidFill>
-                <a:highlight>
-                  <a:srgbClr val="FFFFFF"/>
-                </a:highlight>
-                <a:latin typeface="Courier New" panose="02070309020205020404" pitchFamily="49" charset="0"/>
-              </a:rPr>
-              <a:t> </a:t>
-            </a:r>
-            <a:r>
-              <a:rPr lang="fr-FR" sz="1000" b="0" smtClean="0">
-                <a:solidFill>
-                  <a:srgbClr val="000000"/>
-                </a:solidFill>
-                <a:highlight>
-                  <a:srgbClr val="FFFFFF"/>
-                </a:highlight>
-                <a:latin typeface="Courier New" panose="02070309020205020404" pitchFamily="49" charset="0"/>
-              </a:rPr>
-              <a:t>TRANSITION</a:t>
+              <a:t>  </a:t>
+            </a:r>
+            <a:r>
+              <a:rPr lang="fr-FR" sz="1000" b="1" smtClean="0">
+                <a:solidFill>
+                  <a:srgbClr val="000000"/>
+                </a:solidFill>
+                <a:highlight>
+                  <a:srgbClr val="FFFFFF"/>
+                </a:highlight>
+                <a:latin typeface="Courier New" panose="02070309020205020404" pitchFamily="49" charset="0"/>
+              </a:rPr>
+              <a:t>transition</a:t>
             </a:r>
             <a:r>
               <a:rPr lang="fr-FR" sz="1000" b="1" smtClean="0">
@@ -8398,63 +7693,12 @@
             </a:r>
             <a:r>
               <a:rPr lang="fr-FR" sz="1000" b="1" smtClean="0">
-                <a:solidFill>
-                  <a:srgbClr val="0000FF"/>
-                </a:solidFill>
-                <a:highlight>
-                  <a:srgbClr val="FFFFFF"/>
-                </a:highlight>
-                <a:latin typeface="Courier New" panose="02070309020205020404" pitchFamily="49" charset="0"/>
-              </a:rPr>
-              <a:t>NULL</a:t>
-            </a:r>
-            <a:r>
-              <a:rPr lang="fr-FR" sz="1000" b="1" smtClean="0">
-                <a:solidFill>
-                  <a:srgbClr val="000080"/>
-                </a:solidFill>
-                <a:highlight>
-                  <a:srgbClr val="FFFFFF"/>
-                </a:highlight>
-                <a:latin typeface="Courier New" panose="02070309020205020404" pitchFamily="49" charset="0"/>
-              </a:rPr>
-              <a:t>,</a:t>
-            </a:r>
-            <a:r>
-              <a:rPr lang="fr-FR" sz="1000" b="1" smtClean="0">
-                <a:solidFill>
-                  <a:srgbClr val="0000FF"/>
-                </a:solidFill>
-                <a:highlight>
-                  <a:srgbClr val="FFFFFF"/>
-                </a:highlight>
-                <a:latin typeface="Courier New" panose="02070309020205020404" pitchFamily="49" charset="0"/>
-              </a:rPr>
-              <a:t>NULL</a:t>
-            </a:r>
-            <a:r>
-              <a:rPr lang="fr-FR" sz="1000" b="1" smtClean="0">
-                <a:solidFill>
-                  <a:srgbClr val="000080"/>
-                </a:solidFill>
-                <a:highlight>
-                  <a:srgbClr val="FFFFFF"/>
-                </a:highlight>
-                <a:latin typeface="Courier New" panose="02070309020205020404" pitchFamily="49" charset="0"/>
-              </a:rPr>
-              <a:t>,</a:t>
-            </a:r>
-            <a:r>
-              <a:rPr lang="fr-FR" sz="1000" b="1" smtClean="0">
-                <a:solidFill>
-                  <a:srgbClr val="0000FF"/>
-                </a:solidFill>
-                <a:highlight>
-                  <a:srgbClr val="FFFFFF"/>
-                </a:highlight>
-                <a:latin typeface="Courier New" panose="02070309020205020404" pitchFamily="49" charset="0"/>
-              </a:rPr>
-              <a:t>NULL</a:t>
+                <a:highlight>
+                  <a:srgbClr val="FFFFFF"/>
+                </a:highlight>
+                <a:latin typeface="Courier New" panose="02070309020205020404" pitchFamily="49" charset="0"/>
+              </a:rPr>
+              <a:t>NULL,NULL,NULL</a:t>
             </a:r>
             <a:r>
               <a:rPr lang="fr-FR" sz="1000" b="1" smtClean="0">
@@ -8501,31 +7745,19 @@
                 </a:highlight>
                 <a:latin typeface="Courier New" panose="02070309020205020404" pitchFamily="49" charset="0"/>
               </a:rPr>
-              <a:t> </a:t>
-            </a:r>
-            <a:r>
-              <a:rPr lang="fr-FR" sz="1000" smtClean="0">
-                <a:solidFill>
-                  <a:srgbClr val="000000"/>
-                </a:solidFill>
-                <a:highlight>
-                  <a:srgbClr val="FFFFFF"/>
-                </a:highlight>
-                <a:latin typeface="Courier New" panose="02070309020205020404" pitchFamily="49" charset="0"/>
-              </a:rPr>
-              <a:t> </a:t>
-            </a:r>
-            <a:r>
-              <a:rPr lang="fr-FR" sz="1000" b="0" smtClean="0">
-                <a:solidFill>
-                  <a:srgbClr val="000000"/>
-                </a:solidFill>
-                <a:highlight>
-                  <a:srgbClr val="FFFFFF"/>
-                </a:highlight>
-                <a:latin typeface="Courier New" panose="02070309020205020404" pitchFamily="49" charset="0"/>
-              </a:rPr>
-              <a:t>TRANSITION</a:t>
+              <a:t>  </a:t>
+            </a:r>
+            <a:r>
+              <a:rPr lang="fr-FR" sz="1000" b="1" smtClean="0">
+                <a:solidFill>
+                  <a:srgbClr val="000000"/>
+                </a:solidFill>
+                <a:highlight>
+                  <a:srgbClr val="FFFFFF"/>
+                </a:highlight>
+                <a:latin typeface="Courier New" panose="02070309020205020404" pitchFamily="49" charset="0"/>
+              </a:rPr>
+              <a:t>transition</a:t>
             </a:r>
             <a:r>
               <a:rPr lang="fr-FR" sz="1000" b="1" smtClean="0">
@@ -8589,63 +7821,12 @@
             </a:r>
             <a:r>
               <a:rPr lang="fr-FR" sz="1000" b="1" smtClean="0">
-                <a:solidFill>
-                  <a:srgbClr val="0000FF"/>
-                </a:solidFill>
-                <a:highlight>
-                  <a:srgbClr val="FFFFFF"/>
-                </a:highlight>
-                <a:latin typeface="Courier New" panose="02070309020205020404" pitchFamily="49" charset="0"/>
-              </a:rPr>
-              <a:t>NULL</a:t>
-            </a:r>
-            <a:r>
-              <a:rPr lang="fr-FR" sz="1000" b="1" smtClean="0">
-                <a:solidFill>
-                  <a:srgbClr val="000080"/>
-                </a:solidFill>
-                <a:highlight>
-                  <a:srgbClr val="FFFFFF"/>
-                </a:highlight>
-                <a:latin typeface="Courier New" panose="02070309020205020404" pitchFamily="49" charset="0"/>
-              </a:rPr>
-              <a:t>,</a:t>
-            </a:r>
-            <a:r>
-              <a:rPr lang="fr-FR" sz="1000" b="1" smtClean="0">
-                <a:solidFill>
-                  <a:srgbClr val="0000FF"/>
-                </a:solidFill>
-                <a:highlight>
-                  <a:srgbClr val="FFFFFF"/>
-                </a:highlight>
-                <a:latin typeface="Courier New" panose="02070309020205020404" pitchFamily="49" charset="0"/>
-              </a:rPr>
-              <a:t>NULL</a:t>
-            </a:r>
-            <a:r>
-              <a:rPr lang="fr-FR" sz="1000" b="1" smtClean="0">
-                <a:solidFill>
-                  <a:srgbClr val="000080"/>
-                </a:solidFill>
-                <a:highlight>
-                  <a:srgbClr val="FFFFFF"/>
-                </a:highlight>
-                <a:latin typeface="Courier New" panose="02070309020205020404" pitchFamily="49" charset="0"/>
-              </a:rPr>
-              <a:t>,</a:t>
-            </a:r>
-            <a:r>
-              <a:rPr lang="fr-FR" sz="1000" b="1" smtClean="0">
-                <a:solidFill>
-                  <a:srgbClr val="0000FF"/>
-                </a:solidFill>
-                <a:highlight>
-                  <a:srgbClr val="FFFFFF"/>
-                </a:highlight>
-                <a:latin typeface="Courier New" panose="02070309020205020404" pitchFamily="49" charset="0"/>
-              </a:rPr>
-              <a:t>NULL</a:t>
+                <a:highlight>
+                  <a:srgbClr val="FFFFFF"/>
+                </a:highlight>
+                <a:latin typeface="Courier New" panose="02070309020205020404" pitchFamily="49" charset="0"/>
+              </a:rPr>
+              <a:t>NULL,NULL,NULL</a:t>
             </a:r>
             <a:r>
               <a:rPr lang="fr-FR" sz="1000" b="1" smtClean="0">
@@ -8727,19 +7908,7 @@
                 </a:highlight>
                 <a:latin typeface="Courier New" panose="02070309020205020404" pitchFamily="49" charset="0"/>
               </a:rPr>
-              <a:t> </a:t>
-            </a:r>
-            <a:r>
-              <a:rPr lang="fr-FR" sz="1000" b="1" smtClean="0">
-                <a:solidFill>
-                  <a:srgbClr val="000080"/>
-                </a:solidFill>
-                <a:highlight>
-                  <a:srgbClr val="FFFFFF"/>
-                </a:highlight>
-                <a:latin typeface="Courier New" panose="02070309020205020404" pitchFamily="49" charset="0"/>
-              </a:rPr>
-              <a:t>};</a:t>
+              <a:t> };</a:t>
             </a:r>
             <a:endParaRPr lang="fr-FR" sz="1000" b="0" smtClean="0">
               <a:solidFill>
@@ -8762,43 +7931,19 @@
                 </a:highlight>
                 <a:latin typeface="Courier New" panose="02070309020205020404" pitchFamily="49" charset="0"/>
               </a:rPr>
-              <a:t> </a:t>
-            </a:r>
-            <a:r>
-              <a:rPr lang="fr-FR" sz="1000" b="0" smtClean="0">
-                <a:solidFill>
-                  <a:srgbClr val="8000FF"/>
-                </a:solidFill>
-                <a:highlight>
-                  <a:srgbClr val="FFFFFF"/>
-                </a:highlight>
-                <a:latin typeface="Courier New" panose="02070309020205020404" pitchFamily="49" charset="0"/>
-              </a:rPr>
-              <a:t>void</a:t>
-            </a:r>
-            <a:r>
-              <a:rPr lang="fr-FR" sz="1000" b="0" smtClean="0">
-                <a:solidFill>
-                  <a:srgbClr val="000000"/>
-                </a:solidFill>
-                <a:highlight>
-                  <a:srgbClr val="FFFFFF"/>
-                </a:highlight>
-                <a:latin typeface="Courier New" panose="02070309020205020404" pitchFamily="49" charset="0"/>
-              </a:rPr>
-              <a:t> </a:t>
-            </a:r>
-            <a:r>
-              <a:rPr lang="fr-FR" sz="1000" b="0" smtClean="0">
-                <a:solidFill>
-                  <a:srgbClr val="000000"/>
-                </a:solidFill>
-                <a:highlight>
-                  <a:srgbClr val="FFFFFF"/>
-                </a:highlight>
-                <a:latin typeface="Courier New" panose="02070309020205020404" pitchFamily="49" charset="0"/>
-              </a:rPr>
-              <a:t>S1_entry</a:t>
+              <a:t> void</a:t>
+            </a:r>
+            <a:r>
+              <a:rPr lang="fr-FR" sz="1000" b="0" smtClean="0">
+                <a:solidFill>
+                  <a:srgbClr val="000000"/>
+                </a:solidFill>
+                <a:highlight>
+                  <a:srgbClr val="FFFFFF"/>
+                </a:highlight>
+                <a:latin typeface="Courier New" panose="02070309020205020404" pitchFamily="49" charset="0"/>
+              </a:rPr>
+              <a:t> S1_entry</a:t>
             </a:r>
             <a:r>
               <a:rPr lang="fr-FR" sz="1000" b="1" smtClean="0">
@@ -8857,57 +8002,21 @@
                 </a:highlight>
                 <a:latin typeface="Courier New" panose="02070309020205020404" pitchFamily="49" charset="0"/>
               </a:rPr>
-              <a:t> </a:t>
-            </a:r>
-            <a:r>
-              <a:rPr lang="fr-FR" sz="1000" b="0" smtClean="0">
-                <a:solidFill>
-                  <a:srgbClr val="008000"/>
-                </a:solidFill>
-                <a:highlight>
-                  <a:srgbClr val="FFFFFF"/>
-                </a:highlight>
-                <a:latin typeface="Courier New" panose="02070309020205020404" pitchFamily="49" charset="0"/>
-              </a:rPr>
-              <a:t> </a:t>
-            </a:r>
-            <a:r>
-              <a:rPr lang="fr-FR" sz="1000" b="0" smtClean="0">
-                <a:solidFill>
-                  <a:srgbClr val="008000"/>
-                </a:solidFill>
-                <a:highlight>
-                  <a:srgbClr val="FFFFFF"/>
-                </a:highlight>
-                <a:latin typeface="Courier New" panose="02070309020205020404" pitchFamily="49" charset="0"/>
-              </a:rPr>
-              <a:t>//Entry action for S1</a:t>
-            </a:r>
-          </a:p>
-          <a:p>
-            <a:r>
-              <a:rPr lang="fr-FR" sz="1000" b="1" smtClean="0">
-                <a:solidFill>
-                  <a:srgbClr val="000080"/>
-                </a:solidFill>
-                <a:highlight>
-                  <a:srgbClr val="FFFFFF"/>
-                </a:highlight>
-                <a:latin typeface="Courier New" panose="02070309020205020404" pitchFamily="49" charset="0"/>
-              </a:rPr>
-              <a:t> </a:t>
-            </a:r>
-            <a:r>
-              <a:rPr lang="fr-FR" sz="1000" b="1" smtClean="0">
-                <a:solidFill>
-                  <a:srgbClr val="000080"/>
-                </a:solidFill>
-                <a:highlight>
-                  <a:srgbClr val="FFFFFF"/>
-                </a:highlight>
-                <a:latin typeface="Courier New" panose="02070309020205020404" pitchFamily="49" charset="0"/>
-              </a:rPr>
-              <a:t>}</a:t>
+              <a:t>  //Entry action for S1</a:t>
+            </a:r>
+          </a:p>
+          <a:p>
+            <a:r>
+              <a:rPr lang="fr-FR" sz="1000" b="1" smtClean="0">
+                <a:solidFill>
+                  <a:srgbClr val="000080"/>
+                </a:solidFill>
+                <a:highlight>
+                  <a:srgbClr val="FFFFFF"/>
+                </a:highlight>
+                <a:latin typeface="Courier New" panose="02070309020205020404" pitchFamily="49" charset="0"/>
+              </a:rPr>
+              <a:t> }</a:t>
             </a:r>
             <a:endParaRPr lang="fr-FR" sz="1000" b="0" smtClean="0">
               <a:solidFill>
@@ -8930,8 +8039,10 @@
                 </a:highlight>
                 <a:latin typeface="Courier New" panose="02070309020205020404" pitchFamily="49" charset="0"/>
               </a:rPr>
-              <a:t> </a:t>
-            </a:r>
+              <a:t> //...</a:t>
+            </a:r>
+          </a:p>
+          <a:p>
             <a:r>
               <a:rPr lang="fr-FR" sz="1000" b="0" smtClean="0">
                 <a:solidFill>
@@ -8942,54 +8053,7 @@
                 </a:highlight>
                 <a:latin typeface="Courier New" panose="02070309020205020404" pitchFamily="49" charset="0"/>
               </a:rPr>
-              <a:t>//...</a:t>
-            </a:r>
-            <a:endParaRPr lang="fr-FR" sz="1000" b="0" smtClean="0">
-              <a:solidFill>
-                <a:srgbClr val="008000"/>
-              </a:solidFill>
-              <a:highlight>
-                <a:srgbClr val="FFFFFF"/>
-              </a:highlight>
-              <a:latin typeface="Courier New" panose="02070309020205020404" pitchFamily="49" charset="0"/>
-            </a:endParaRPr>
-          </a:p>
-          <a:p>
-            <a:r>
-              <a:rPr lang="fr-FR" sz="1000" b="0" smtClean="0">
-                <a:solidFill>
-                  <a:srgbClr val="008000"/>
-                </a:solidFill>
-                <a:highlight>
-                  <a:srgbClr val="FFFFFF"/>
-                </a:highlight>
-                <a:latin typeface="Courier New" panose="02070309020205020404" pitchFamily="49" charset="0"/>
-              </a:rPr>
-              <a:t> </a:t>
-            </a:r>
-            <a:r>
-              <a:rPr lang="fr-FR" sz="1000" b="0" smtClean="0">
-                <a:solidFill>
-                  <a:srgbClr val="008000"/>
-                </a:solidFill>
-                <a:highlight>
-                  <a:srgbClr val="FFFFFF"/>
-                </a:highlight>
-                <a:latin typeface="Courier New" panose="02070309020205020404" pitchFamily="49" charset="0"/>
-              </a:rPr>
-              <a:t>//</a:t>
-            </a:r>
-            <a:r>
-              <a:rPr lang="fr-FR" sz="1000" b="0" smtClean="0">
-                <a:solidFill>
-                  <a:srgbClr val="008000"/>
-                </a:solidFill>
-                <a:highlight>
-                  <a:srgbClr val="FFFFFF"/>
-                </a:highlight>
-                <a:latin typeface="Courier New" panose="02070309020205020404" pitchFamily="49" charset="0"/>
-              </a:rPr>
-              <a:t>class member declarations</a:t>
+              <a:t> //class member declarations</a:t>
             </a:r>
           </a:p>
           <a:p>
